--- a/docs/論文口試.pptx
+++ b/docs/論文口試.pptx
@@ -601,6 +601,40 @@
               <a:rPr kumimoji="1" lang="zh-TW" altLang="en-US" dirty="0"/>
               <a:t>的自主身份系統設計與實作</a:t>
             </a:r>
+            <a:endParaRPr kumimoji="1" lang="en-US" altLang="zh-TW" dirty="0"/>
+          </a:p>
+          <a:p>
+            <a:endParaRPr kumimoji="1" lang="en-US" altLang="zh-TW" dirty="0"/>
+          </a:p>
+          <a:p>
+            <a:r>
+              <a:rPr kumimoji="1" lang="zh-TW" altLang="en-US" dirty="0"/>
+              <a:t>我的個人報告會包含</a:t>
+            </a:r>
+            <a:r>
+              <a:rPr kumimoji="1" lang="en-US" altLang="zh-TW" dirty="0"/>
+              <a:t> 30 </a:t>
+            </a:r>
+            <a:r>
+              <a:rPr kumimoji="1" lang="zh-TW" altLang="en-US" dirty="0"/>
+              <a:t>分鐘的內文與</a:t>
+            </a:r>
+            <a:r>
+              <a:rPr kumimoji="1" lang="en-US" altLang="zh-TW" dirty="0"/>
+              <a:t> 5 </a:t>
+            </a:r>
+            <a:r>
+              <a:rPr kumimoji="1" lang="zh-TW" altLang="en-US" dirty="0"/>
+              <a:t>分鐘的圖片</a:t>
+            </a:r>
+            <a:r>
+              <a:rPr kumimoji="1" lang="en-US" altLang="zh-TW" dirty="0"/>
+              <a:t>demo</a:t>
+            </a:r>
+            <a:r>
+              <a:rPr kumimoji="1" lang="zh-TW" altLang="en-US" dirty="0"/>
+              <a:t>講解</a:t>
+            </a:r>
           </a:p>
         </p:txBody>
       </p:sp>
@@ -926,7 +960,15 @@
             </a:r>
             <a:r>
               <a:rPr kumimoji="1" lang="zh-TW" altLang="en-US" dirty="0"/>
-              <a:t>會實名認證，但使用者可以自行對網頁伺服器揭露自己的身份，可以輕易偽造，畢竟使用者擁有私鑰。</a:t>
+              <a:t>會實名認證，但使用者可以自行對網頁伺服器揭露自己的身份，可以輕易偽造，畢竟</a:t>
+            </a:r>
+            <a:r>
+              <a:rPr kumimoji="1" lang="en-US" altLang="zh-TW" dirty="0"/>
+              <a:t>aid center</a:t>
+            </a:r>
+            <a:r>
+              <a:rPr kumimoji="1" lang="zh-TW" altLang="en-US" dirty="0"/>
+              <a:t>不對使用者的聲明作任何保障。</a:t>
             </a:r>
             <a:endParaRPr kumimoji="1" lang="en-US" altLang="zh-TW" dirty="0"/>
           </a:p>
@@ -1102,16 +1144,6 @@
           <a:p>
             <a:r>
               <a:rPr kumimoji="1" lang="zh-TW" altLang="en-US" dirty="0"/>
-              <a:t>簡單解釋收據的概念：像前面說的，有些資訊根本就是服務跟你說的，或是你必須得要告知服務，在這種情境下。第一，服務如何確保自己給用戶的數據不會被用戶竄改，使用者下次攜帶數據進入時需要出示上次得到數據時服務給的收據。第二，使用者確實沒辦法確保傳入服務的數據被盜用，但是可以透過把數據的使用分布在多個服務，並且以自身為橋樑，配合收據來達成更大程度的信任。</a:t>
-            </a:r>
-            <a:endParaRPr kumimoji="1" lang="en-US" altLang="zh-TW" dirty="0"/>
-          </a:p>
-          <a:p>
-            <a:endParaRPr kumimoji="1" lang="en-US" altLang="zh-TW" dirty="0"/>
-          </a:p>
-          <a:p>
-            <a:r>
-              <a:rPr kumimoji="1" lang="zh-TW" altLang="en-US" dirty="0"/>
               <a:t>關於評價機制和收據機制的設計，我在後面的章節會更深入的介紹。</a:t>
             </a:r>
             <a:endParaRPr kumimoji="1" lang="en-US" altLang="zh-TW" dirty="0"/>
@@ -1397,7 +1429,7 @@
           <a:p>
             <a:r>
               <a:rPr kumimoji="1" lang="zh-TW" altLang="en-US" dirty="0"/>
-              <a:t>就像前面的所說，我並沒有推翻學長的貢獻，而是更徹底的分析與理解了前人的技術，藉由我對實務上的理解更完整的設計了</a:t>
+              <a:t>就像前面的所說，我並沒有推翻學長的貢獻，而是更徹底的分析與理解了前人的技術，藉由我對實務上的理解來更完整的設計</a:t>
             </a:r>
             <a:r>
               <a:rPr kumimoji="1" lang="en-US" altLang="zh-TW" dirty="0"/>
@@ -1433,6 +1465,9 @@
               <a:rPr kumimoji="1" lang="zh-TW" altLang="en-US" dirty="0"/>
               <a:t>，再完成系統設計，</a:t>
             </a:r>
+          </a:p>
+          <a:p>
+            <a:endParaRPr kumimoji="1" lang="en-US" altLang="zh-TW" dirty="0"/>
           </a:p>
           <a:p>
             <a:endParaRPr kumimoji="1" lang="en-US" altLang="zh-TW" dirty="0"/>
@@ -1524,7 +1559,7 @@
           <a:p>
             <a:r>
               <a:rPr kumimoji="1" lang="zh-TW" altLang="en-US" dirty="0"/>
-              <a:t>透過查詢自主的定義，我們可以很輕易的成道以下定義</a:t>
+              <a:t>透過查詢自主的定義，我們可以很輕易的得道以下內容</a:t>
             </a:r>
             <a:r>
               <a:rPr kumimoji="1" lang="en-US" altLang="zh-TW" dirty="0"/>
@@ -2239,7 +2274,15 @@
             </a:r>
             <a:r>
               <a:rPr kumimoji="1" lang="zh-TW" altLang="en-US" dirty="0"/>
-              <a:t>極致多因素驗證，就是為了解決這個問題，這是我自己提出的名詞，其概念簡單來說就是把多因素驗證中，每個因素都允許設置權重，而不是像過去那樣一條通過就通過了。</a:t>
+              <a:t>極致多因素驗證，就是為了解決這個問題，這是我自己</a:t>
+            </a:r>
+            <a:r>
+              <a:rPr kumimoji="1" lang="zh-TW" altLang="en-US"/>
+              <a:t>提出的嶄新機制，</a:t>
+            </a:r>
+            <a:r>
+              <a:rPr kumimoji="1" lang="zh-TW" altLang="en-US" dirty="0"/>
+              <a:t>其概念簡單來說就是把多因素驗證中，每個因素都允許設置權重，而不是像過去那樣一條通過就通過了。</a:t>
             </a:r>
             <a:endParaRPr kumimoji="1" lang="en-US" altLang="zh-TW" dirty="0"/>
           </a:p>
@@ -2409,7 +2452,10 @@
           <a:bodyPr/>
           <a:lstStyle/>
           <a:p>
-            <a:endParaRPr kumimoji="1" lang="zh-TW" altLang="en-US"/>
+            <a:r>
+              <a:rPr kumimoji="1" lang="zh-TW" altLang="en-US" dirty="0"/>
+              <a:t>首先是我的研究動機</a:t>
+            </a:r>
           </a:p>
         </p:txBody>
       </p:sp>
@@ -2495,7 +2541,7 @@
           <a:p>
             <a:r>
               <a:rPr kumimoji="1" lang="zh-TW" altLang="en-US" dirty="0"/>
-              <a:t>接著也是用戶行為的自主，我希望使用者驗證（即登入）是自主的。這需要強化前人的機制，因為前人雖然聲稱讓用戶自主了，卻沒顧慮到因此要求服務無條件信任用戶和簽章伺服器，簡單來說，我把服務也是為需要自主權的對象。</a:t>
+              <a:t>接著也是用戶行為的自主，我希望使用者驗證（即登入）是自主的。這需要強化前人的機制，因為前人雖然聲稱讓用戶自主了，卻沒顧慮到因此要求服務無條件信任用戶和簽章伺服器，簡單來說，我把服務也視為需要自主權的對象。</a:t>
             </a:r>
             <a:endParaRPr kumimoji="1" lang="en-US" altLang="zh-TW" dirty="0"/>
           </a:p>
@@ -2567,7 +2613,7 @@
           <a:p>
             <a:r>
               <a:rPr kumimoji="1" lang="zh-TW" altLang="en-US" dirty="0"/>
-              <a:t>使用者之後登入時，區塊鏈就不再需要向</a:t>
+              <a:t>使用者之後登入時，一般服務不再需要向</a:t>
             </a:r>
             <a:r>
               <a:rPr kumimoji="1" lang="en-US" altLang="zh-TW" dirty="0"/>
@@ -2647,6 +2693,32 @@
             <a:r>
               <a:rPr kumimoji="1" lang="zh-TW" altLang="en-US" dirty="0"/>
               <a:t>自主憑證還是可以被持續使用。</a:t>
+            </a:r>
+            <a:endParaRPr kumimoji="1" lang="en-US" altLang="zh-TW" dirty="0"/>
+          </a:p>
+          <a:p>
+            <a:endParaRPr kumimoji="1" lang="en-US" altLang="zh-TW" dirty="0"/>
+          </a:p>
+          <a:p>
+            <a:r>
+              <a:rPr kumimoji="1" lang="zh-TW" altLang="en-US" dirty="0"/>
+              <a:t>這邊我還是要改學長平反一下，加入區塊鏈學長的機制其實也是可行的</a:t>
+            </a:r>
+            <a:r>
+              <a:rPr kumimoji="1" lang="en-US" altLang="zh-TW" dirty="0"/>
+              <a:t>,</a:t>
+            </a:r>
+            <a:r>
+              <a:rPr kumimoji="1" lang="zh-TW" altLang="en-US" dirty="0"/>
+              <a:t>我修改後主要的價值是達成用戶的自主，讓用戶不需要被破使用公司鑰驗證</a:t>
+            </a:r>
+            <a:r>
+              <a:rPr kumimoji="1" lang="en-US" altLang="zh-TW" dirty="0"/>
+              <a:t> </a:t>
+            </a:r>
+            <a:r>
+              <a:rPr kumimoji="1" lang="zh-TW" altLang="en-US" dirty="0"/>
+              <a:t>，可以使用例如簡訊驗證等等</a:t>
             </a:r>
             <a:endParaRPr kumimoji="1" lang="en-US" altLang="zh-TW" dirty="0"/>
           </a:p>
@@ -3160,6 +3232,73 @@
           <a:p>
             <a:r>
               <a:rPr kumimoji="1" lang="zh-TW" altLang="en-US" dirty="0"/>
+              <a:t>在過去使用者用</a:t>
+            </a:r>
+            <a:r>
+              <a:rPr kumimoji="1" lang="en-US" altLang="zh-TW" dirty="0"/>
+              <a:t> AI </a:t>
+            </a:r>
+            <a:r>
+              <a:rPr kumimoji="1" lang="zh-TW" altLang="en-US" dirty="0"/>
+              <a:t>服務調用支付完成付款，甚至</a:t>
+            </a:r>
+            <a:r>
+              <a:rPr kumimoji="1" lang="en-US" altLang="zh-TW" dirty="0"/>
+              <a:t>AI</a:t>
+            </a:r>
+            <a:r>
+              <a:rPr kumimoji="1" lang="zh-TW" altLang="en-US" dirty="0"/>
+              <a:t>服務本身留存了使用者的所有聊天數據。</a:t>
+            </a:r>
+            <a:endParaRPr kumimoji="1" lang="en-US" altLang="zh-TW" dirty="0"/>
+          </a:p>
+          <a:p>
+            <a:endParaRPr kumimoji="1" lang="en-US" altLang="zh-TW" dirty="0"/>
+          </a:p>
+          <a:p>
+            <a:r>
+              <a:rPr kumimoji="1" lang="zh-TW" altLang="en-US" dirty="0"/>
+              <a:t>那我該怎麼利用</a:t>
+            </a:r>
+            <a:r>
+              <a:rPr kumimoji="1" lang="en-US" altLang="zh-TW" dirty="0"/>
+              <a:t>AID</a:t>
+            </a:r>
+            <a:r>
+              <a:rPr kumimoji="1" lang="zh-TW" altLang="en-US" dirty="0"/>
+              <a:t>達到自主呢</a:t>
+            </a:r>
+            <a:r>
+              <a:rPr kumimoji="1" lang="en-US" altLang="zh-TW" dirty="0"/>
+              <a:t>? </a:t>
+            </a:r>
+            <a:r>
+              <a:rPr kumimoji="1" lang="zh-TW" altLang="en-US" dirty="0"/>
+              <a:t>有兩個東西需要自主，使用者要可以自主決定使用哪種支付服務，不像過去使用者被破使用系統商串接的服務。</a:t>
+            </a:r>
+            <a:endParaRPr kumimoji="1" lang="en-US" altLang="zh-TW" dirty="0"/>
+          </a:p>
+          <a:p>
+            <a:r>
+              <a:rPr kumimoji="1" lang="zh-TW" altLang="en-US" dirty="0"/>
+              <a:t>還有聊天數據的自主：自己保留資料，保留數據憑證，如果抓到ＡＩ產生類似數據</a:t>
+            </a:r>
+            <a:r>
+              <a:rPr kumimoji="1" lang="en-US" altLang="zh-TW" dirty="0"/>
+              <a:t> </a:t>
+            </a:r>
+            <a:r>
+              <a:rPr kumimoji="1" lang="zh-TW" altLang="en-US" dirty="0"/>
+              <a:t>有爭執的基礎。</a:t>
+            </a:r>
+            <a:endParaRPr kumimoji="1" lang="en-US" altLang="zh-TW" dirty="0"/>
+          </a:p>
+          <a:p>
+            <a:endParaRPr kumimoji="1" lang="en-US" altLang="zh-TW" dirty="0"/>
+          </a:p>
+          <a:p>
+            <a:r>
+              <a:rPr kumimoji="1" lang="zh-TW" altLang="en-US" dirty="0"/>
               <a:t>我實作了一個概念驗證，期望能證明</a:t>
             </a:r>
             <a:r>
@@ -3728,7 +3867,7 @@
                 <a:latin typeface="Heiti SC Medium" pitchFamily="2" charset="-128"/>
                 <a:ea typeface="Heiti SC Medium" pitchFamily="2" charset="-128"/>
               </a:rPr>
-              <a:t>數位身分是在數位世界中識別個人的資訊和資料，可以定義為個人的數位存在。更準確地說：數位身分是一組屬性，例如：姓名、出生日期和性別，以及連結到唯一識別碼的憑證。</a:t>
+              <a:t>數位身分能在數位世界中識別個人的資訊和資料，可以被定義為個人的數位表示方法。</a:t>
             </a:r>
             <a:endParaRPr kumimoji="1" lang="en-US" altLang="zh-TW" b="0" i="0" dirty="0">
               <a:solidFill>
@@ -3747,8 +3886,17 @@
                 <a:latin typeface="Heiti SC Medium" pitchFamily="2" charset="-128"/>
                 <a:ea typeface="Heiti SC Medium" pitchFamily="2" charset="-128"/>
               </a:rPr>
-              <a:t>換句話來說：數位身分即是個人的電子表示形式，</a:t>
-            </a:r>
+              <a:t>更準確地說：數位身分是一組屬性，例如：姓名、出生日期和性別，以及ＩＤ。</a:t>
+            </a:r>
+            <a:endParaRPr kumimoji="1" lang="en-US" altLang="zh-TW" b="0" i="0" dirty="0">
+              <a:solidFill>
+                <a:schemeClr val="tx1"/>
+              </a:solidFill>
+              <a:latin typeface="Heiti SC Medium" pitchFamily="2" charset="-128"/>
+              <a:ea typeface="Heiti SC Medium" pitchFamily="2" charset="-128"/>
+            </a:endParaRPr>
+          </a:p>
+          <a:p>
             <a:r>
               <a:rPr kumimoji="1" lang="zh-TW" altLang="en-US" b="0" i="0" dirty="0">
                 <a:solidFill>
@@ -3757,7 +3905,7 @@
                 <a:latin typeface="Heiti SC Medium" pitchFamily="2" charset="-128"/>
                 <a:ea typeface="Heiti SC Medium" pitchFamily="2" charset="-128"/>
               </a:rPr>
-              <a:t>可以讓人在網路上被認知到她是誰。</a:t>
+              <a:t>換句話來說：數位身分即是個人的電子表示形式，可以讓人在網路上被認知到她是誰。</a:t>
             </a:r>
             <a:endParaRPr kumimoji="1" lang="en-US" altLang="zh-TW" b="0" i="0" dirty="0">
               <a:solidFill>
@@ -3776,77 +3924,9 @@
                 <a:latin typeface="Heiti SC Medium" pitchFamily="2" charset="-128"/>
                 <a:ea typeface="Heiti SC Medium" pitchFamily="2" charset="-128"/>
               </a:rPr>
-              <a:t>與紙本身分證相反，數位身分可以透過數位管道遠端驗證個人身分。它可以追蹤個別活動並收集資訊，像是：個人資料、行為和互動等。</a:t>
+              <a:t>數位身分有許多紙本身份沒有的特性，例如可以透過數位管道遠端驗證個人身分或是追蹤個別活動並收集資訊等等</a:t>
             </a:r>
             <a:endParaRPr kumimoji="1" lang="en-US" altLang="zh-TW" b="0" i="0" dirty="0">
-              <a:solidFill>
-                <a:schemeClr val="tx1"/>
-              </a:solidFill>
-              <a:latin typeface="Heiti SC Medium" pitchFamily="2" charset="-128"/>
-              <a:ea typeface="Heiti SC Medium" pitchFamily="2" charset="-128"/>
-            </a:endParaRPr>
-          </a:p>
-          <a:p>
-            <a:r>
-              <a:rPr kumimoji="1" lang="zh-TW" altLang="en-US" b="0" i="0" dirty="0">
-                <a:solidFill>
-                  <a:schemeClr val="tx1"/>
-                </a:solidFill>
-                <a:latin typeface="Heiti SC Medium" pitchFamily="2" charset="-128"/>
-                <a:ea typeface="Heiti SC Medium" pitchFamily="2" charset="-128"/>
-              </a:rPr>
-              <a:t>從個人的角度來看：數位 </a:t>
-            </a:r>
-            <a:r>
-              <a:rPr kumimoji="1" lang="en" altLang="zh-TW" b="0" i="0" dirty="0">
-                <a:solidFill>
-                  <a:schemeClr val="tx1"/>
-                </a:solidFill>
-                <a:latin typeface="Heiti SC Medium" pitchFamily="2" charset="-128"/>
-                <a:ea typeface="Heiti SC Medium" pitchFamily="2" charset="-128"/>
-              </a:rPr>
-              <a:t>ID </a:t>
-            </a:r>
-            <a:r>
-              <a:rPr kumimoji="1" lang="zh-TW" altLang="en-US" b="0" i="0" dirty="0">
-                <a:solidFill>
-                  <a:schemeClr val="tx1"/>
-                </a:solidFill>
-                <a:latin typeface="Heiti SC Medium" pitchFamily="2" charset="-128"/>
-                <a:ea typeface="Heiti SC Medium" pitchFamily="2" charset="-128"/>
-              </a:rPr>
-              <a:t>類似於一個人的身體身分和個性。</a:t>
-            </a:r>
-            <a:endParaRPr kumimoji="1" lang="en-US" altLang="zh-TW" b="0" i="0" dirty="0">
-              <a:solidFill>
-                <a:schemeClr val="tx1"/>
-              </a:solidFill>
-              <a:latin typeface="Heiti SC Medium" pitchFamily="2" charset="-128"/>
-              <a:ea typeface="Heiti SC Medium" pitchFamily="2" charset="-128"/>
-            </a:endParaRPr>
-          </a:p>
-          <a:p>
-            <a:r>
-              <a:rPr kumimoji="1" lang="zh-TW" altLang="en-US" b="0" i="0" dirty="0">
-                <a:solidFill>
-                  <a:schemeClr val="tx1"/>
-                </a:solidFill>
-                <a:latin typeface="Heiti SC Medium" pitchFamily="2" charset="-128"/>
-                <a:ea typeface="Heiti SC Medium" pitchFamily="2" charset="-128"/>
-              </a:rPr>
-              <a:t>因此，個人需要能夠決定他們的數位身分是什麼，並控制他們想要分享的</a:t>
-            </a:r>
-            <a:r>
-              <a:rPr kumimoji="1" lang="zh-TW" altLang="en-US" b="0" i="0" dirty="0">
-                <a:solidFill>
-                  <a:schemeClr val="tx1"/>
-                </a:solidFill>
-                <a:latin typeface="Heiti SC Medium" pitchFamily="2" charset="-128"/>
-                <a:ea typeface="Heiti SC Medium" pitchFamily="2" charset="-128"/>
-              </a:rPr>
-              <a:t>內容。</a:t>
-            </a:r>
-            <a:endParaRPr kumimoji="1" lang="zh-TW" altLang="en-US" b="0" i="0" dirty="0">
               <a:solidFill>
                 <a:schemeClr val="tx1"/>
               </a:solidFill>
@@ -4249,15 +4329,27 @@
             <a:pPr algn="l"/>
             <a:r>
               <a:rPr lang="zh-TW" altLang="en-US" dirty="0"/>
-              <a:t>以 </a:t>
-            </a:r>
-            <a:r>
-              <a:rPr lang="en" altLang="zh-TW" dirty="0"/>
-              <a:t>Google Identity </a:t>
+              <a:t>以使用 </a:t>
+            </a:r>
+            <a:r>
+              <a:rPr lang="en-US" altLang="zh-TW" dirty="0"/>
+              <a:t>PC </a:t>
             </a:r>
             <a:r>
               <a:rPr lang="zh-TW" altLang="en-US" dirty="0"/>
-              <a:t>為例：如果用戶想在 </a:t>
+              <a:t>Ｈ</a:t>
+            </a:r>
+            <a:r>
+              <a:rPr lang="en-US" altLang="zh-TW" dirty="0" err="1"/>
+              <a:t>ome</a:t>
+            </a:r>
+            <a:r>
+              <a:rPr lang="en-US" altLang="zh-TW" dirty="0"/>
+              <a:t> </a:t>
+            </a:r>
+            <a:r>
+              <a:rPr lang="zh-TW" altLang="en-US" dirty="0"/>
+              <a:t>網購為例：如果用戶想在 </a:t>
             </a:r>
             <a:r>
               <a:rPr lang="en" altLang="zh-TW" dirty="0"/>
@@ -4321,7 +4413,7 @@
             </a:r>
             <a:r>
               <a:rPr lang="zh-TW" altLang="en-US" dirty="0"/>
-              <a:t>充當信任 </a:t>
+              <a:t>信任 </a:t>
             </a:r>
             <a:r>
               <a:rPr lang="en" altLang="zh-TW" dirty="0"/>
@@ -4329,7 +4421,7 @@
             </a:r>
             <a:r>
               <a:rPr lang="zh-TW" altLang="en-US" dirty="0"/>
-              <a:t>的服務提供者，這樣做的優點是顯而易見的：透過 </a:t>
+              <a:t>作為身份提供者，這樣做的優點是顯而易見的：透過 </a:t>
             </a:r>
             <a:r>
               <a:rPr lang="en" altLang="zh-TW" dirty="0"/>
@@ -4600,7 +4692,7 @@
             </a:pPr>
             <a:r>
               <a:rPr kumimoji="1" lang="zh-TW" altLang="en-US" dirty="0"/>
-              <a:t>以下我展開來說明，現有歷史上的幾代身份系統如何面對信任問題，並且明確指出有什麼樣的信任問題從來沒有被解決。</a:t>
+              <a:t>以下我展開來說明，歷史上的幾代身份系統如何面對信任問題，並且明確指出有什麼樣的信任問題從來沒有被解決。</a:t>
             </a:r>
             <a:endParaRPr kumimoji="1" lang="en-US" altLang="zh-TW" dirty="0"/>
           </a:p>
@@ -5306,7 +5398,10 @@
           <a:bodyPr/>
           <a:lstStyle/>
           <a:p>
-            <a:endParaRPr kumimoji="1" lang="zh-TW" altLang="en-US"/>
+            <a:r>
+              <a:rPr kumimoji="1" lang="zh-TW" altLang="en-US" dirty="0"/>
+              <a:t>接著是我的主要貢獻</a:t>
+            </a:r>
           </a:p>
         </p:txBody>
       </p:sp>
@@ -5607,8 +5702,13 @@
             </a:r>
             <a:r>
               <a:rPr kumimoji="1" lang="en-US" altLang="zh-TW" dirty="0"/>
-              <a:t> ?</a:t>
-            </a:r>
+              <a:t> ? </a:t>
+            </a:r>
+            <a:r>
+              <a:rPr kumimoji="1" lang="zh-TW" altLang="en-US" dirty="0"/>
+              <a:t>他其實有一個重大問題與一個功能的限制</a:t>
+            </a:r>
+            <a:endParaRPr kumimoji="1" lang="en-US" altLang="zh-TW" dirty="0"/>
           </a:p>
         </p:txBody>
       </p:sp>
@@ -5711,7 +5811,7 @@
             </a:pPr>
             <a:r>
               <a:rPr kumimoji="1" lang="zh-TW" altLang="en-US" dirty="0"/>
-              <a:t>學長忽略了一項重要假設，靜態與否，在網路應用，所有流程被拆成兩段，前端與後端，前端在使用者裝置上運行，可以獲取使用者裝置的資料庫，可以透過網路連接後端。</a:t>
+              <a:t>學長無形之中給自己的設計做了一個錯誤的假設，即“網頁是靜態應用”，後面所有關於數據的說法都是基於這個假設才成立。</a:t>
             </a:r>
             <a:endParaRPr kumimoji="1" lang="en-US" altLang="zh-TW" dirty="0"/>
           </a:p>
@@ -5735,7 +5835,55 @@
             </a:pPr>
             <a:r>
               <a:rPr kumimoji="1" lang="zh-TW" altLang="en-US" dirty="0"/>
-              <a:t>後端存在於網路彼端的伺服器內，沒辦法加載使用者裝置內的數據，但自己維持一個大型資料庫。</a:t>
+              <a:t>但是</a:t>
+            </a:r>
+            <a:r>
+              <a:rPr kumimoji="1" lang="en-US" altLang="zh-TW" dirty="0"/>
+              <a:t> AID </a:t>
+            </a:r>
+            <a:r>
+              <a:rPr kumimoji="1" lang="zh-TW" altLang="en-US" dirty="0"/>
+              <a:t>作為社群網路身份，從本質就是要被別人識別，但學長的假設卻要求不傳出任何數據到網路上，別人自然無法讀取我們裝置內的數據，那談何識別我們的</a:t>
+            </a:r>
+            <a:r>
+              <a:rPr kumimoji="1" lang="en-US" altLang="zh-TW" dirty="0"/>
+              <a:t>AID</a:t>
+            </a:r>
+            <a:r>
+              <a:rPr kumimoji="1" lang="zh-TW" altLang="en-US" dirty="0"/>
+              <a:t>，怎麼產生社群交流。</a:t>
+            </a:r>
+            <a:endParaRPr kumimoji="1" lang="en-US" altLang="zh-TW" dirty="0"/>
+          </a:p>
+          <a:p>
+            <a:pPr marL="0" marR="0" lvl="0" indent="0" algn="l" defTabSz="914400" rtl="0" eaLnBrk="1" fontAlgn="auto" latinLnBrk="0" hangingPunct="1">
+              <a:lnSpc>
+                <a:spcPct val="100000"/>
+              </a:lnSpc>
+              <a:spcBef>
+                <a:spcPts val="0"/>
+              </a:spcBef>
+              <a:spcAft>
+                <a:spcPts val="0"/>
+              </a:spcAft>
+              <a:buClrTx/>
+              <a:buSzTx/>
+              <a:buFontTx/>
+              <a:buNone/>
+              <a:tabLst/>
+              <a:defRPr/>
+            </a:pPr>
+            <a:r>
+              <a:rPr kumimoji="1" lang="zh-TW" altLang="en-US" dirty="0"/>
+              <a:t>更進一步，這裡可以拿網路遊戲的設計史，來做簡略的說明</a:t>
+            </a:r>
+            <a:r>
+              <a:rPr kumimoji="1" lang="en-US" altLang="zh-TW" dirty="0"/>
+              <a:t>: </a:t>
+            </a:r>
+            <a:r>
+              <a:rPr kumimoji="1" lang="zh-TW" altLang="en-US" dirty="0"/>
+              <a:t>最早的遊戲基本上所有數據都放在個人設備，但卻出現了作弊等外掛，這些外掛的原理就是直接修改本地的數據。</a:t>
             </a:r>
             <a:endParaRPr kumimoji="1" lang="en-US" altLang="zh-TW" dirty="0"/>
           </a:p>
@@ -5779,15 +5927,7 @@
             </a:pPr>
             <a:r>
               <a:rPr kumimoji="1" lang="zh-TW" altLang="en-US" dirty="0"/>
-              <a:t>所謂的靜態應用，表示使用者在加載了應用程式後，只會使用前端功能，這樣一來</a:t>
-            </a:r>
-            <a:r>
-              <a:rPr kumimoji="1" lang="en-US" altLang="zh-TW" dirty="0"/>
-              <a:t>Aid</a:t>
-            </a:r>
-            <a:r>
-              <a:rPr kumimoji="1" lang="zh-TW" altLang="en-US" dirty="0"/>
-              <a:t>機制就不再有意義，因為只在個人裝置運作根本沒有太複雜的身分需求。</a:t>
+              <a:t>學長的設計中使用了靜態應用的假設，卻聲明了動態應用的能力。</a:t>
             </a:r>
             <a:endParaRPr kumimoji="1" lang="en-US" altLang="zh-TW" dirty="0"/>
           </a:p>
@@ -5811,7 +5951,7 @@
             </a:pPr>
             <a:r>
               <a:rPr kumimoji="1" lang="zh-TW" altLang="en-US" dirty="0"/>
-              <a:t>而動態應用，表示使用者在應用運作過程，需要使用後端透過網路與他人產生互動。但這樣一來或是使用者上傳數據，或是後端生成數據，所謂把資料全部存在本地裝置的說法，意義不大。甚至，更嚴重的問題在於網頁應用憑什麼要信任使用者傳入的數據，存在使用者身上過，誰知道有沒有被偷改。</a:t>
+              <a:t>接著我介紹一下何為靜態應用何為動態應用</a:t>
             </a:r>
             <a:endParaRPr kumimoji="1" lang="en-US" altLang="zh-TW" dirty="0"/>
           </a:p>
@@ -5855,23 +5995,311 @@
             </a:pPr>
             <a:r>
               <a:rPr kumimoji="1" lang="zh-TW" altLang="en-US" dirty="0"/>
-              <a:t>簡單來說</a:t>
+              <a:t>在網路應用，所有流程被拆成兩段，前端與後端，前端在使用者裝置上運行，可以獲取使用者裝置的資料庫，可以透過網路連接後端。</a:t>
+            </a:r>
+            <a:endParaRPr kumimoji="1" lang="en-US" altLang="zh-TW" dirty="0"/>
+          </a:p>
+          <a:p>
+            <a:pPr marL="0" marR="0" lvl="0" indent="0" algn="l" defTabSz="914400" rtl="0" eaLnBrk="1" fontAlgn="auto" latinLnBrk="0" hangingPunct="1">
+              <a:lnSpc>
+                <a:spcPct val="100000"/>
+              </a:lnSpc>
+              <a:spcBef>
+                <a:spcPts val="0"/>
+              </a:spcBef>
+              <a:spcAft>
+                <a:spcPts val="0"/>
+              </a:spcAft>
+              <a:buClrTx/>
+              <a:buSzTx/>
+              <a:buFontTx/>
+              <a:buNone/>
+              <a:tabLst/>
+              <a:defRPr/>
+            </a:pPr>
+            <a:r>
+              <a:rPr kumimoji="1" lang="zh-TW" altLang="en-US" dirty="0"/>
+              <a:t>後端存在於網路彼端的伺服器內，沒辦法加載使用者裝置內的數據，但自己維持一個大型資料庫。</a:t>
+            </a:r>
+            <a:endParaRPr kumimoji="1" lang="en-US" altLang="zh-TW" dirty="0"/>
+          </a:p>
+          <a:p>
+            <a:pPr marL="0" marR="0" lvl="0" indent="0" algn="l" defTabSz="914400" rtl="0" eaLnBrk="1" fontAlgn="auto" latinLnBrk="0" hangingPunct="1">
+              <a:lnSpc>
+                <a:spcPct val="100000"/>
+              </a:lnSpc>
+              <a:spcBef>
+                <a:spcPts val="0"/>
+              </a:spcBef>
+              <a:spcAft>
+                <a:spcPts val="0"/>
+              </a:spcAft>
+              <a:buClrTx/>
+              <a:buSzTx/>
+              <a:buFontTx/>
+              <a:buNone/>
+              <a:tabLst/>
+              <a:defRPr/>
+            </a:pPr>
+            <a:endParaRPr kumimoji="1" lang="en-US" altLang="zh-TW" dirty="0"/>
+          </a:p>
+          <a:p>
+            <a:pPr marL="0" marR="0" lvl="0" indent="0" algn="l" defTabSz="914400" rtl="0" eaLnBrk="1" fontAlgn="auto" latinLnBrk="0" hangingPunct="1">
+              <a:lnSpc>
+                <a:spcPct val="100000"/>
+              </a:lnSpc>
+              <a:spcBef>
+                <a:spcPts val="0"/>
+              </a:spcBef>
+              <a:spcAft>
+                <a:spcPts val="0"/>
+              </a:spcAft>
+              <a:buClrTx/>
+              <a:buSzTx/>
+              <a:buFontTx/>
+              <a:buNone/>
+              <a:tabLst/>
+              <a:defRPr/>
+            </a:pPr>
+            <a:r>
+              <a:rPr kumimoji="1" lang="zh-TW" altLang="en-US" dirty="0"/>
+              <a:t>至此我們可以大概有一個認知了</a:t>
             </a:r>
             <a:r>
               <a:rPr kumimoji="1" lang="en-US" altLang="zh-TW" dirty="0"/>
-              <a:t>, </a:t>
+              <a:t>:</a:t>
             </a:r>
             <a:r>
               <a:rPr kumimoji="1" lang="zh-TW" altLang="en-US" dirty="0"/>
-              <a:t>需要別人的服務</a:t>
+              <a:t>社群網路身份要拿來與人交流，勢必要傳出數據與接收數據</a:t>
+            </a:r>
+            <a:endParaRPr kumimoji="1" lang="en-US" altLang="zh-TW" dirty="0"/>
+          </a:p>
+          <a:p>
+            <a:pPr marL="0" marR="0" lvl="0" indent="0" algn="l" defTabSz="914400" rtl="0" eaLnBrk="1" fontAlgn="auto" latinLnBrk="0" hangingPunct="1">
+              <a:lnSpc>
+                <a:spcPct val="100000"/>
+              </a:lnSpc>
+              <a:spcBef>
+                <a:spcPts val="0"/>
+              </a:spcBef>
+              <a:spcAft>
+                <a:spcPts val="0"/>
+              </a:spcAft>
+              <a:buClrTx/>
+              <a:buSzTx/>
+              <a:buFontTx/>
+              <a:buNone/>
+              <a:tabLst/>
+              <a:defRPr/>
+            </a:pPr>
+            <a:r>
+              <a:rPr kumimoji="1" lang="zh-TW" altLang="en-US" dirty="0"/>
+              <a:t>但在學長的設計中，只要下載應用程式的靜態代碼後，具備讀取個人裝置目錄的能力即可運作，這顯然有所缺失。</a:t>
+            </a:r>
+            <a:endParaRPr kumimoji="1" lang="en-US" altLang="zh-TW" dirty="0"/>
+          </a:p>
+          <a:p>
+            <a:pPr marL="0" marR="0" lvl="0" indent="0" algn="l" defTabSz="914400" rtl="0" eaLnBrk="1" fontAlgn="auto" latinLnBrk="0" hangingPunct="1">
+              <a:lnSpc>
+                <a:spcPct val="100000"/>
+              </a:lnSpc>
+              <a:spcBef>
+                <a:spcPts val="0"/>
+              </a:spcBef>
+              <a:spcAft>
+                <a:spcPts val="0"/>
+              </a:spcAft>
+              <a:buClrTx/>
+              <a:buSzTx/>
+              <a:buFontTx/>
+              <a:buNone/>
+              <a:tabLst/>
+              <a:defRPr/>
+            </a:pPr>
+            <a:endParaRPr kumimoji="1" lang="en-US" altLang="zh-TW" dirty="0"/>
+          </a:p>
+          <a:p>
+            <a:pPr marL="0" marR="0" lvl="0" indent="0" algn="l" defTabSz="914400" rtl="0" eaLnBrk="1" fontAlgn="auto" latinLnBrk="0" hangingPunct="1">
+              <a:lnSpc>
+                <a:spcPct val="100000"/>
+              </a:lnSpc>
+              <a:spcBef>
+                <a:spcPts val="0"/>
+              </a:spcBef>
+              <a:spcAft>
+                <a:spcPts val="0"/>
+              </a:spcAft>
+              <a:buClrTx/>
+              <a:buSzTx/>
+              <a:buFontTx/>
+              <a:buNone/>
+              <a:tabLst/>
+              <a:defRPr/>
+            </a:pPr>
+            <a:r>
+              <a:rPr kumimoji="1" lang="zh-TW" altLang="en-US" dirty="0"/>
+              <a:t>為了證明這個說法，我向各位說明學長的</a:t>
             </a:r>
             <a:r>
               <a:rPr kumimoji="1" lang="en-US" altLang="zh-TW" dirty="0"/>
-              <a:t>, </a:t>
+              <a:t>AID</a:t>
             </a:r>
             <a:r>
               <a:rPr kumimoji="1" lang="zh-TW" altLang="en-US" dirty="0"/>
-              <a:t>他就一定會拿到數據，或是產生我們的數據，不可能完全把資料存在本地設備。</a:t>
+              <a:t>機制分別在靜態與動態下的情況。</a:t>
+            </a:r>
+            <a:endParaRPr kumimoji="1" lang="en-US" altLang="zh-TW" dirty="0"/>
+          </a:p>
+          <a:p>
+            <a:pPr marL="0" marR="0" lvl="0" indent="0" algn="l" defTabSz="914400" rtl="0" eaLnBrk="1" fontAlgn="auto" latinLnBrk="0" hangingPunct="1">
+              <a:lnSpc>
+                <a:spcPct val="100000"/>
+              </a:lnSpc>
+              <a:spcBef>
+                <a:spcPts val="0"/>
+              </a:spcBef>
+              <a:spcAft>
+                <a:spcPts val="0"/>
+              </a:spcAft>
+              <a:buClrTx/>
+              <a:buSzTx/>
+              <a:buFontTx/>
+              <a:buNone/>
+              <a:tabLst/>
+              <a:defRPr/>
+            </a:pPr>
+            <a:endParaRPr kumimoji="1" lang="en-US" altLang="zh-TW" dirty="0"/>
+          </a:p>
+          <a:p>
+            <a:pPr marL="0" marR="0" lvl="0" indent="0" algn="l" defTabSz="914400" rtl="0" eaLnBrk="1" fontAlgn="auto" latinLnBrk="0" hangingPunct="1">
+              <a:lnSpc>
+                <a:spcPct val="100000"/>
+              </a:lnSpc>
+              <a:spcBef>
+                <a:spcPts val="0"/>
+              </a:spcBef>
+              <a:spcAft>
+                <a:spcPts val="0"/>
+              </a:spcAft>
+              <a:buClrTx/>
+              <a:buSzTx/>
+              <a:buFontTx/>
+              <a:buNone/>
+              <a:tabLst/>
+              <a:defRPr/>
+            </a:pPr>
+            <a:r>
+              <a:rPr kumimoji="1" lang="zh-TW" altLang="en-US" dirty="0"/>
+              <a:t>所謂的靜態應用，表示使用者在加載了應用程式後，只會使用前端功能，這樣一來</a:t>
+            </a:r>
+            <a:r>
+              <a:rPr kumimoji="1" lang="en-US" altLang="zh-TW" dirty="0"/>
+              <a:t>Aid</a:t>
+            </a:r>
+            <a:r>
+              <a:rPr kumimoji="1" lang="zh-TW" altLang="en-US" dirty="0"/>
+              <a:t>機制就不再有意義，因為只在個人裝置運作根本沒有太複雜的身分需求。</a:t>
+            </a:r>
+            <a:endParaRPr kumimoji="1" lang="en-US" altLang="zh-TW" dirty="0"/>
+          </a:p>
+          <a:p>
+            <a:pPr marL="0" marR="0" lvl="0" indent="0" algn="l" defTabSz="914400" rtl="0" eaLnBrk="1" fontAlgn="auto" latinLnBrk="0" hangingPunct="1">
+              <a:lnSpc>
+                <a:spcPct val="100000"/>
+              </a:lnSpc>
+              <a:spcBef>
+                <a:spcPts val="0"/>
+              </a:spcBef>
+              <a:spcAft>
+                <a:spcPts val="0"/>
+              </a:spcAft>
+              <a:buClrTx/>
+              <a:buSzTx/>
+              <a:buFontTx/>
+              <a:buNone/>
+              <a:tabLst/>
+              <a:defRPr/>
+            </a:pPr>
+            <a:r>
+              <a:rPr kumimoji="1" lang="zh-TW" altLang="en-US" dirty="0"/>
+              <a:t>而動態應用，表示使用者在應用運作過程，需要透過網路與他人產生互動。但這樣一來或是使用者上傳數據，或是後端生成數據，所謂把資料全部存在本地裝置的說法，意義不大。</a:t>
+            </a:r>
+            <a:endParaRPr kumimoji="1" lang="en-US" altLang="zh-TW" dirty="0"/>
+          </a:p>
+          <a:p>
+            <a:pPr marL="0" marR="0" lvl="0" indent="0" algn="l" defTabSz="914400" rtl="0" eaLnBrk="1" fontAlgn="auto" latinLnBrk="0" hangingPunct="1">
+              <a:lnSpc>
+                <a:spcPct val="100000"/>
+              </a:lnSpc>
+              <a:spcBef>
+                <a:spcPts val="0"/>
+              </a:spcBef>
+              <a:spcAft>
+                <a:spcPts val="0"/>
+              </a:spcAft>
+              <a:buClrTx/>
+              <a:buSzTx/>
+              <a:buFontTx/>
+              <a:buNone/>
+              <a:tabLst/>
+              <a:defRPr/>
+            </a:pPr>
+            <a:r>
+              <a:rPr kumimoji="1" lang="zh-TW" altLang="en-US" dirty="0"/>
+              <a:t>甚至，更嚴重的問題在於網頁應用憑什麼要信任使用者傳入的數據，存在使用者身上過，誰知道有沒有被偷改。</a:t>
+            </a:r>
+            <a:endParaRPr kumimoji="1" lang="en-US" altLang="zh-TW" dirty="0"/>
+          </a:p>
+          <a:p>
+            <a:pPr marL="0" marR="0" lvl="0" indent="0" algn="l" defTabSz="914400" rtl="0" eaLnBrk="1" fontAlgn="auto" latinLnBrk="0" hangingPunct="1">
+              <a:lnSpc>
+                <a:spcPct val="100000"/>
+              </a:lnSpc>
+              <a:spcBef>
+                <a:spcPts val="0"/>
+              </a:spcBef>
+              <a:spcAft>
+                <a:spcPts val="0"/>
+              </a:spcAft>
+              <a:buClrTx/>
+              <a:buSzTx/>
+              <a:buFontTx/>
+              <a:buNone/>
+              <a:tabLst/>
+              <a:defRPr/>
+            </a:pPr>
+            <a:endParaRPr kumimoji="1" lang="en-US" altLang="zh-TW" dirty="0"/>
+          </a:p>
+          <a:p>
+            <a:pPr marL="0" marR="0" lvl="0" indent="0" algn="l" defTabSz="914400" rtl="0" eaLnBrk="1" fontAlgn="auto" latinLnBrk="0" hangingPunct="1">
+              <a:lnSpc>
+                <a:spcPct val="100000"/>
+              </a:lnSpc>
+              <a:spcBef>
+                <a:spcPts val="0"/>
+              </a:spcBef>
+              <a:spcAft>
+                <a:spcPts val="0"/>
+              </a:spcAft>
+              <a:buClrTx/>
+              <a:buSzTx/>
+              <a:buFontTx/>
+              <a:buNone/>
+              <a:tabLst/>
+              <a:defRPr/>
+            </a:pPr>
+            <a:r>
+              <a:rPr kumimoji="1" lang="zh-TW" altLang="en-US" dirty="0"/>
+              <a:t>顯然，只是提出把數據放在使用者裝置是不夠的，真正的問題是，當使用者不得不對外溝通時要如何應對</a:t>
+            </a:r>
+            <a:r>
+              <a:rPr kumimoji="1" lang="en-US" altLang="zh-TW" dirty="0"/>
+              <a:t>: </a:t>
+            </a:r>
+            <a:r>
+              <a:rPr kumimoji="1" lang="zh-TW" altLang="en-US" dirty="0"/>
+              <a:t>後端憑什麼信任使用者傳出去的數據，使用者憑什麼信任網頁傳入的數據</a:t>
             </a:r>
             <a:endParaRPr kumimoji="1" lang="en-US" altLang="zh-TW" dirty="0"/>
           </a:p>
@@ -11737,7 +12165,7 @@
         </p:nvSpPr>
         <p:spPr>
           <a:xfrm>
-            <a:off x="4671848" y="3571108"/>
+            <a:off x="4671848" y="3582259"/>
             <a:ext cx="2848303" cy="2785242"/>
           </a:xfrm>
           <a:prstGeom prst="rect">
@@ -13209,7 +13637,7 @@
           <a:p>
             <a:r>
               <a:rPr kumimoji="1" lang="en-US" altLang="zh-TW" dirty="0"/>
-              <a:t>Extremely </a:t>
+              <a:t>Extreme </a:t>
             </a:r>
             <a:r>
               <a:rPr lang="en" altLang="zh-TW" b="0" i="0" dirty="0">
@@ -14050,7 +14478,7 @@
           <a:p>
             <a:r>
               <a:rPr kumimoji="1" lang="en" altLang="zh-TW" dirty="0"/>
-              <a:t>Avoid trusting Aid Center and User</a:t>
+              <a:t>Services avoid trusting Aid Center and User</a:t>
             </a:r>
             <a:endParaRPr kumimoji="1" lang="zh-TW" altLang="en-US" dirty="0"/>
           </a:p>
@@ -14128,8 +14556,8 @@
         </p:nvGrpSpPr>
         <p:grpSpPr>
           <a:xfrm>
-            <a:off x="3570211" y="2695879"/>
-            <a:ext cx="7976976" cy="4025596"/>
+            <a:off x="3570211" y="2776653"/>
+            <a:ext cx="7976976" cy="3944821"/>
             <a:chOff x="1991294" y="1625139"/>
             <a:chExt cx="7976976" cy="4025596"/>
           </a:xfrm>
@@ -24732,7 +25160,7 @@
           <a:p>
             <a:r>
               <a:rPr kumimoji="1" lang="en-US" altLang="zh-TW" dirty="0"/>
-              <a:t>It's unnecessary or meaningless</a:t>
+              <a:t>Wrong Assumption</a:t>
             </a:r>
             <a:endParaRPr kumimoji="1" lang="zh-TW" altLang="en-US" dirty="0">
               <a:latin typeface="+mn-lt"/>
@@ -24855,376 +25283,682 @@
           </a:p>
         </p:txBody>
       </p:sp>
-      <p:pic>
-        <p:nvPicPr>
-          <p:cNvPr id="6" name="圖形 5" descr="使用者 以實心填滿">
+      <p:grpSp>
+        <p:nvGrpSpPr>
+          <p:cNvPr id="5" name="群組 4">
             <a:extLst>
               <a:ext uri="{FF2B5EF4-FFF2-40B4-BE49-F238E27FC236}">
-                <a16:creationId xmlns:a16="http://schemas.microsoft.com/office/drawing/2014/main" id="{B7D37574-DE8B-4386-C919-2F3AA5445ADF}"/>
+                <a16:creationId xmlns:a16="http://schemas.microsoft.com/office/drawing/2014/main" id="{6B4D7FFB-7E7D-59BB-C924-17C074496DE1}"/>
               </a:ext>
             </a:extLst>
           </p:cNvPr>
-          <p:cNvPicPr>
-            <a:picLocks noChangeAspect="1"/>
-          </p:cNvPicPr>
+          <p:cNvGrpSpPr/>
           <p:nvPr/>
-        </p:nvPicPr>
-        <p:blipFill>
-          <a:blip r:embed="rId3">
-            <a:extLst>
-              <a:ext uri="{96DAC541-7B7A-43D3-8B79-37D633B846F1}">
-                <asvg:svgBlip xmlns:asvg="http://schemas.microsoft.com/office/drawing/2016/SVG/main" r:embed="rId4"/>
-              </a:ext>
-            </a:extLst>
-          </a:blip>
-          <a:stretch>
-            <a:fillRect/>
-          </a:stretch>
-        </p:blipFill>
-        <p:spPr>
+        </p:nvGrpSpPr>
+        <p:grpSpPr>
           <a:xfrm>
-            <a:off x="2275331" y="4535537"/>
-            <a:ext cx="1313688" cy="1477546"/>
+            <a:off x="838200" y="3244683"/>
+            <a:ext cx="6977032" cy="3026449"/>
+            <a:chOff x="611545" y="2505752"/>
+            <a:chExt cx="11426455" cy="4091613"/>
           </a:xfrm>
-          <a:prstGeom prst="rect">
-            <a:avLst/>
-          </a:prstGeom>
-        </p:spPr>
-      </p:pic>
-      <p:pic>
-        <p:nvPicPr>
-          <p:cNvPr id="9" name="圖片 8">
+        </p:grpSpPr>
+        <p:pic>
+          <p:nvPicPr>
+            <p:cNvPr id="36" name="圖形 35" descr="資料庫 以實心填滿">
+              <a:extLst>
+                <a:ext uri="{FF2B5EF4-FFF2-40B4-BE49-F238E27FC236}">
+                  <a16:creationId xmlns:a16="http://schemas.microsoft.com/office/drawing/2014/main" id="{FEE10BDA-6955-DC72-D4BD-802057C22F34}"/>
+                </a:ext>
+              </a:extLst>
+            </p:cNvPr>
+            <p:cNvPicPr>
+              <a:picLocks noChangeAspect="1"/>
+            </p:cNvPicPr>
+            <p:nvPr/>
+          </p:nvPicPr>
+          <p:blipFill>
+            <a:blip r:embed="rId3">
+              <a:extLst>
+                <a:ext uri="{96DAC541-7B7A-43D3-8B79-37D633B846F1}">
+                  <asvg:svgBlip xmlns:asvg="http://schemas.microsoft.com/office/drawing/2016/SVG/main" r:embed="rId4"/>
+                </a:ext>
+              </a:extLst>
+            </a:blip>
+            <a:stretch>
+              <a:fillRect/>
+            </a:stretch>
+          </p:blipFill>
+          <p:spPr>
+            <a:xfrm>
+              <a:off x="10974701" y="4634693"/>
+              <a:ext cx="1063299" cy="1188445"/>
+            </a:xfrm>
+            <a:prstGeom prst="rect">
+              <a:avLst/>
+            </a:prstGeom>
+          </p:spPr>
+        </p:pic>
+        <p:grpSp>
+          <p:nvGrpSpPr>
+            <p:cNvPr id="3" name="群組 2">
+              <a:extLst>
+                <a:ext uri="{FF2B5EF4-FFF2-40B4-BE49-F238E27FC236}">
+                  <a16:creationId xmlns:a16="http://schemas.microsoft.com/office/drawing/2014/main" id="{5A2A6A6F-51F0-D090-1BD8-5C0CE983B82A}"/>
+                </a:ext>
+              </a:extLst>
+            </p:cNvPr>
+            <p:cNvGrpSpPr/>
+            <p:nvPr/>
+          </p:nvGrpSpPr>
+          <p:grpSpPr>
+            <a:xfrm>
+              <a:off x="611545" y="2505752"/>
+              <a:ext cx="10472492" cy="4091613"/>
+              <a:chOff x="611545" y="2505752"/>
+              <a:chExt cx="10472492" cy="4091613"/>
+            </a:xfrm>
+          </p:grpSpPr>
+          <p:pic>
+            <p:nvPicPr>
+              <p:cNvPr id="6" name="圖形 5" descr="使用者 以實心填滿">
+                <a:extLst>
+                  <a:ext uri="{FF2B5EF4-FFF2-40B4-BE49-F238E27FC236}">
+                    <a16:creationId xmlns:a16="http://schemas.microsoft.com/office/drawing/2014/main" id="{B7D37574-DE8B-4386-C919-2F3AA5445ADF}"/>
+                  </a:ext>
+                </a:extLst>
+              </p:cNvPr>
+              <p:cNvPicPr>
+                <a:picLocks noChangeAspect="1"/>
+              </p:cNvPicPr>
+              <p:nvPr/>
+            </p:nvPicPr>
+            <p:blipFill>
+              <a:blip r:embed="rId5">
+                <a:extLst>
+                  <a:ext uri="{96DAC541-7B7A-43D3-8B79-37D633B846F1}">
+                    <asvg:svgBlip xmlns:asvg="http://schemas.microsoft.com/office/drawing/2016/SVG/main" r:embed="rId6"/>
+                  </a:ext>
+                </a:extLst>
+              </a:blip>
+              <a:stretch>
+                <a:fillRect/>
+              </a:stretch>
+            </p:blipFill>
+            <p:spPr>
+              <a:xfrm>
+                <a:off x="2275331" y="4535537"/>
+                <a:ext cx="1313688" cy="1477546"/>
+              </a:xfrm>
+              <a:prstGeom prst="rect">
+                <a:avLst/>
+              </a:prstGeom>
+            </p:spPr>
+          </p:pic>
+          <p:pic>
+            <p:nvPicPr>
+              <p:cNvPr id="9" name="圖片 8">
+                <a:extLst>
+                  <a:ext uri="{FF2B5EF4-FFF2-40B4-BE49-F238E27FC236}">
+                    <a16:creationId xmlns:a16="http://schemas.microsoft.com/office/drawing/2014/main" id="{BD0398F7-94C4-A451-2236-43C964ADB67F}"/>
+                  </a:ext>
+                </a:extLst>
+              </p:cNvPr>
+              <p:cNvPicPr>
+                <a:picLocks noChangeAspect="1"/>
+              </p:cNvPicPr>
+              <p:nvPr/>
+            </p:nvPicPr>
+            <p:blipFill>
+              <a:blip r:embed="rId7"/>
+              <a:stretch>
+                <a:fillRect/>
+              </a:stretch>
+            </p:blipFill>
+            <p:spPr>
+              <a:xfrm>
+                <a:off x="6874994" y="2505752"/>
+                <a:ext cx="1358628" cy="1230989"/>
+              </a:xfrm>
+              <a:prstGeom prst="rect">
+                <a:avLst/>
+              </a:prstGeom>
+            </p:spPr>
+          </p:pic>
+          <p:pic>
+            <p:nvPicPr>
+              <p:cNvPr id="12" name="圖片 11">
+                <a:extLst>
+                  <a:ext uri="{FF2B5EF4-FFF2-40B4-BE49-F238E27FC236}">
+                    <a16:creationId xmlns:a16="http://schemas.microsoft.com/office/drawing/2014/main" id="{8FBCC8D3-480A-13F6-75D4-E410A66C1B09}"/>
+                  </a:ext>
+                </a:extLst>
+              </p:cNvPr>
+              <p:cNvPicPr>
+                <a:picLocks noChangeAspect="1"/>
+              </p:cNvPicPr>
+              <p:nvPr/>
+            </p:nvPicPr>
+            <p:blipFill>
+              <a:blip r:embed="rId8"/>
+              <a:stretch>
+                <a:fillRect/>
+              </a:stretch>
+            </p:blipFill>
+            <p:spPr>
+              <a:xfrm>
+                <a:off x="8712709" y="4303745"/>
+                <a:ext cx="1804447" cy="1804447"/>
+              </a:xfrm>
+              <a:prstGeom prst="rect">
+                <a:avLst/>
+              </a:prstGeom>
+            </p:spPr>
+          </p:pic>
+          <p:sp>
+            <p:nvSpPr>
+              <p:cNvPr id="13" name="向右箭號 12">
+                <a:extLst>
+                  <a:ext uri="{FF2B5EF4-FFF2-40B4-BE49-F238E27FC236}">
+                    <a16:creationId xmlns:a16="http://schemas.microsoft.com/office/drawing/2014/main" id="{8C5A4009-8AC6-58E5-1170-16988FD048A9}"/>
+                  </a:ext>
+                </a:extLst>
+              </p:cNvPr>
+              <p:cNvSpPr/>
+              <p:nvPr/>
+            </p:nvSpPr>
+            <p:spPr>
+              <a:xfrm>
+                <a:off x="3673603" y="5140833"/>
+                <a:ext cx="4837176" cy="266954"/>
+              </a:xfrm>
+              <a:prstGeom prst="rightArrow">
+                <a:avLst/>
+              </a:prstGeom>
+              <a:noFill/>
+              <a:ln w="28575"/>
+            </p:spPr>
+            <p:style>
+              <a:lnRef idx="2">
+                <a:schemeClr val="accent1">
+                  <a:shade val="15000"/>
+                </a:schemeClr>
+              </a:lnRef>
+              <a:fillRef idx="1">
+                <a:schemeClr val="accent1"/>
+              </a:fillRef>
+              <a:effectRef idx="0">
+                <a:schemeClr val="accent1"/>
+              </a:effectRef>
+              <a:fontRef idx="minor">
+                <a:schemeClr val="lt1"/>
+              </a:fontRef>
+            </p:style>
+            <p:txBody>
+              <a:bodyPr rtlCol="0" anchor="ctr"/>
+              <a:lstStyle/>
+              <a:p>
+                <a:pPr algn="ctr"/>
+                <a:endParaRPr kumimoji="1" lang="zh-TW" altLang="en-US"/>
+              </a:p>
+            </p:txBody>
+          </p:sp>
+          <p:sp>
+            <p:nvSpPr>
+              <p:cNvPr id="14" name="文字方塊 13">
+                <a:extLst>
+                  <a:ext uri="{FF2B5EF4-FFF2-40B4-BE49-F238E27FC236}">
+                    <a16:creationId xmlns:a16="http://schemas.microsoft.com/office/drawing/2014/main" id="{728079A4-4240-CA32-C3C5-BBD81FDD5111}"/>
+                  </a:ext>
+                </a:extLst>
+              </p:cNvPr>
+              <p:cNvSpPr txBox="1"/>
+              <p:nvPr/>
+            </p:nvSpPr>
+            <p:spPr>
+              <a:xfrm>
+                <a:off x="2275331" y="5823138"/>
+                <a:ext cx="1343766" cy="369332"/>
+              </a:xfrm>
+              <a:prstGeom prst="rect">
+                <a:avLst/>
+              </a:prstGeom>
+              <a:noFill/>
+            </p:spPr>
+            <p:txBody>
+              <a:bodyPr wrap="none" rtlCol="0">
+                <a:spAutoFit/>
+              </a:bodyPr>
+              <a:lstStyle/>
+              <a:p>
+                <a:r>
+                  <a:rPr kumimoji="1" lang="en-US" altLang="zh-TW" dirty="0"/>
+                  <a:t>Local Device</a:t>
+                </a:r>
+                <a:endParaRPr kumimoji="1" lang="zh-TW" altLang="en-US" dirty="0"/>
+              </a:p>
+            </p:txBody>
+          </p:sp>
+          <p:sp>
+            <p:nvSpPr>
+              <p:cNvPr id="15" name="文字方塊 14">
+                <a:extLst>
+                  <a:ext uri="{FF2B5EF4-FFF2-40B4-BE49-F238E27FC236}">
+                    <a16:creationId xmlns:a16="http://schemas.microsoft.com/office/drawing/2014/main" id="{CB6113BB-9EF3-D88A-F646-5668182A727B}"/>
+                  </a:ext>
+                </a:extLst>
+              </p:cNvPr>
+              <p:cNvSpPr txBox="1"/>
+              <p:nvPr/>
+            </p:nvSpPr>
+            <p:spPr>
+              <a:xfrm>
+                <a:off x="9035395" y="5807631"/>
+                <a:ext cx="950004" cy="369332"/>
+              </a:xfrm>
+              <a:prstGeom prst="rect">
+                <a:avLst/>
+              </a:prstGeom>
+              <a:noFill/>
+            </p:spPr>
+            <p:txBody>
+              <a:bodyPr wrap="none" rtlCol="0">
+                <a:spAutoFit/>
+              </a:bodyPr>
+              <a:lstStyle/>
+              <a:p>
+                <a:r>
+                  <a:rPr kumimoji="1" lang="en-US" altLang="zh-TW" dirty="0"/>
+                  <a:t>Website</a:t>
+                </a:r>
+                <a:endParaRPr kumimoji="1" lang="zh-TW" altLang="en-US" dirty="0"/>
+              </a:p>
+            </p:txBody>
+          </p:sp>
+          <p:sp>
+            <p:nvSpPr>
+              <p:cNvPr id="24" name="文字方塊 23">
+                <a:extLst>
+                  <a:ext uri="{FF2B5EF4-FFF2-40B4-BE49-F238E27FC236}">
+                    <a16:creationId xmlns:a16="http://schemas.microsoft.com/office/drawing/2014/main" id="{4A86CBCD-21B5-7600-4F40-3CDC9EF4AFCF}"/>
+                  </a:ext>
+                </a:extLst>
+              </p:cNvPr>
+              <p:cNvSpPr txBox="1"/>
+              <p:nvPr/>
+            </p:nvSpPr>
+            <p:spPr>
+              <a:xfrm>
+                <a:off x="6697333" y="3596227"/>
+                <a:ext cx="1173911" cy="369332"/>
+              </a:xfrm>
+              <a:prstGeom prst="rect">
+                <a:avLst/>
+              </a:prstGeom>
+              <a:noFill/>
+            </p:spPr>
+            <p:txBody>
+              <a:bodyPr wrap="none" rtlCol="0">
+                <a:spAutoFit/>
+              </a:bodyPr>
+              <a:lstStyle/>
+              <a:p>
+                <a:r>
+                  <a:rPr kumimoji="1" lang="en-US" altLang="zh-TW" dirty="0"/>
+                  <a:t>Aid Center</a:t>
+                </a:r>
+                <a:endParaRPr kumimoji="1" lang="zh-TW" altLang="en-US" dirty="0"/>
+              </a:p>
+            </p:txBody>
+          </p:sp>
+          <p:sp>
+            <p:nvSpPr>
+              <p:cNvPr id="25" name="向右箭號 24">
+                <a:extLst>
+                  <a:ext uri="{FF2B5EF4-FFF2-40B4-BE49-F238E27FC236}">
+                    <a16:creationId xmlns:a16="http://schemas.microsoft.com/office/drawing/2014/main" id="{9B41AACE-AD69-4BB0-70DA-51BF59614B10}"/>
+                  </a:ext>
+                </a:extLst>
+              </p:cNvPr>
+              <p:cNvSpPr/>
+              <p:nvPr/>
+            </p:nvSpPr>
+            <p:spPr>
+              <a:xfrm rot="19984919">
+                <a:off x="3200835" y="3838890"/>
+                <a:ext cx="3806628" cy="309201"/>
+              </a:xfrm>
+              <a:prstGeom prst="rightArrow">
+                <a:avLst>
+                  <a:gd name="adj1" fmla="val 50000"/>
+                  <a:gd name="adj2" fmla="val 50000"/>
+                </a:avLst>
+              </a:prstGeom>
+              <a:noFill/>
+              <a:ln w="28575"/>
+            </p:spPr>
+            <p:style>
+              <a:lnRef idx="2">
+                <a:schemeClr val="accent1">
+                  <a:shade val="15000"/>
+                </a:schemeClr>
+              </a:lnRef>
+              <a:fillRef idx="1">
+                <a:schemeClr val="accent1"/>
+              </a:fillRef>
+              <a:effectRef idx="0">
+                <a:schemeClr val="accent1"/>
+              </a:effectRef>
+              <a:fontRef idx="minor">
+                <a:schemeClr val="lt1"/>
+              </a:fontRef>
+            </p:style>
+            <p:txBody>
+              <a:bodyPr rtlCol="0" anchor="ctr"/>
+              <a:lstStyle/>
+              <a:p>
+                <a:pPr algn="ctr"/>
+                <a:endParaRPr kumimoji="1" lang="zh-TW" altLang="en-US"/>
+              </a:p>
+            </p:txBody>
+          </p:sp>
+          <p:sp>
+            <p:nvSpPr>
+              <p:cNvPr id="29" name="向右箭號 28">
+                <a:extLst>
+                  <a:ext uri="{FF2B5EF4-FFF2-40B4-BE49-F238E27FC236}">
+                    <a16:creationId xmlns:a16="http://schemas.microsoft.com/office/drawing/2014/main" id="{3BE6E1F1-223E-322E-F974-B609954CA55D}"/>
+                  </a:ext>
+                </a:extLst>
+              </p:cNvPr>
+              <p:cNvSpPr/>
+              <p:nvPr/>
+            </p:nvSpPr>
+            <p:spPr>
+              <a:xfrm rot="2794809">
+                <a:off x="8194906" y="3633991"/>
+                <a:ext cx="1540243" cy="313164"/>
+              </a:xfrm>
+              <a:prstGeom prst="rightArrow">
+                <a:avLst>
+                  <a:gd name="adj1" fmla="val 50000"/>
+                  <a:gd name="adj2" fmla="val 50000"/>
+                </a:avLst>
+              </a:prstGeom>
+              <a:noFill/>
+              <a:ln w="28575"/>
+            </p:spPr>
+            <p:style>
+              <a:lnRef idx="2">
+                <a:schemeClr val="accent1">
+                  <a:shade val="15000"/>
+                </a:schemeClr>
+              </a:lnRef>
+              <a:fillRef idx="1">
+                <a:schemeClr val="accent1"/>
+              </a:fillRef>
+              <a:effectRef idx="0">
+                <a:schemeClr val="accent1"/>
+              </a:effectRef>
+              <a:fontRef idx="minor">
+                <a:schemeClr val="lt1"/>
+              </a:fontRef>
+            </p:style>
+            <p:txBody>
+              <a:bodyPr rtlCol="0" anchor="ctr"/>
+              <a:lstStyle/>
+              <a:p>
+                <a:pPr algn="ctr"/>
+                <a:endParaRPr kumimoji="1" lang="zh-TW" altLang="en-US"/>
+              </a:p>
+            </p:txBody>
+          </p:sp>
+          <p:cxnSp>
+            <p:nvCxnSpPr>
+              <p:cNvPr id="34" name="直線接點 33">
+                <a:extLst>
+                  <a:ext uri="{FF2B5EF4-FFF2-40B4-BE49-F238E27FC236}">
+                    <a16:creationId xmlns:a16="http://schemas.microsoft.com/office/drawing/2014/main" id="{430C7C05-6F13-65C0-853F-C28C05C4F209}"/>
+                  </a:ext>
+                </a:extLst>
+              </p:cNvPr>
+              <p:cNvCxnSpPr/>
+              <p:nvPr/>
+            </p:nvCxnSpPr>
+            <p:spPr>
+              <a:xfrm flipV="1">
+                <a:off x="6232634" y="4042445"/>
+                <a:ext cx="0" cy="2548868"/>
+              </a:xfrm>
+              <a:prstGeom prst="line">
+                <a:avLst/>
+              </a:prstGeom>
+              <a:ln w="41275">
+                <a:solidFill>
+                  <a:schemeClr val="tx1"/>
+                </a:solidFill>
+                <a:prstDash val="dash"/>
+              </a:ln>
+            </p:spPr>
+            <p:style>
+              <a:lnRef idx="1">
+                <a:schemeClr val="accent1"/>
+              </a:lnRef>
+              <a:fillRef idx="0">
+                <a:schemeClr val="accent1"/>
+              </a:fillRef>
+              <a:effectRef idx="0">
+                <a:schemeClr val="accent1"/>
+              </a:effectRef>
+              <a:fontRef idx="minor">
+                <a:schemeClr val="tx1"/>
+              </a:fontRef>
+            </p:style>
+          </p:cxnSp>
+          <p:cxnSp>
+            <p:nvCxnSpPr>
+              <p:cNvPr id="40" name="直線接點 39">
+                <a:extLst>
+                  <a:ext uri="{FF2B5EF4-FFF2-40B4-BE49-F238E27FC236}">
+                    <a16:creationId xmlns:a16="http://schemas.microsoft.com/office/drawing/2014/main" id="{26579761-FE6D-E64E-9D44-0F5BEF0DB348}"/>
+                  </a:ext>
+                </a:extLst>
+              </p:cNvPr>
+              <p:cNvCxnSpPr>
+                <a:cxnSpLocks/>
+              </p:cNvCxnSpPr>
+              <p:nvPr/>
+            </p:nvCxnSpPr>
+            <p:spPr>
+              <a:xfrm>
+                <a:off x="10347732" y="5232551"/>
+                <a:ext cx="736305" cy="0"/>
+              </a:xfrm>
+              <a:prstGeom prst="line">
+                <a:avLst/>
+              </a:prstGeom>
+              <a:ln w="22225"/>
+            </p:spPr>
+            <p:style>
+              <a:lnRef idx="1">
+                <a:schemeClr val="accent3"/>
+              </a:lnRef>
+              <a:fillRef idx="0">
+                <a:schemeClr val="accent3"/>
+              </a:fillRef>
+              <a:effectRef idx="0">
+                <a:schemeClr val="accent3"/>
+              </a:effectRef>
+              <a:fontRef idx="minor">
+                <a:schemeClr val="tx1"/>
+              </a:fontRef>
+            </p:style>
+          </p:cxnSp>
+          <p:pic>
+            <p:nvPicPr>
+              <p:cNvPr id="51" name="圖形 50" descr="資料庫 以實心填滿">
+                <a:extLst>
+                  <a:ext uri="{FF2B5EF4-FFF2-40B4-BE49-F238E27FC236}">
+                    <a16:creationId xmlns:a16="http://schemas.microsoft.com/office/drawing/2014/main" id="{43DC40E0-2CA3-FFB5-091F-1CE98F8C3C82}"/>
+                  </a:ext>
+                </a:extLst>
+              </p:cNvPr>
+              <p:cNvPicPr>
+                <a:picLocks noChangeAspect="1"/>
+              </p:cNvPicPr>
+              <p:nvPr/>
+            </p:nvPicPr>
+            <p:blipFill>
+              <a:blip r:embed="rId3">
+                <a:extLst>
+                  <a:ext uri="{96DAC541-7B7A-43D3-8B79-37D633B846F1}">
+                    <asvg:svgBlip xmlns:asvg="http://schemas.microsoft.com/office/drawing/2016/SVG/main" r:embed="rId4"/>
+                  </a:ext>
+                </a:extLst>
+              </a:blip>
+              <a:stretch>
+                <a:fillRect/>
+              </a:stretch>
+            </p:blipFill>
+            <p:spPr>
+              <a:xfrm>
+                <a:off x="611545" y="4988518"/>
+                <a:ext cx="1063299" cy="1188445"/>
+              </a:xfrm>
+              <a:prstGeom prst="rect">
+                <a:avLst/>
+              </a:prstGeom>
+            </p:spPr>
+          </p:pic>
+          <p:cxnSp>
+            <p:nvCxnSpPr>
+              <p:cNvPr id="61" name="直線接點 60">
+                <a:extLst>
+                  <a:ext uri="{FF2B5EF4-FFF2-40B4-BE49-F238E27FC236}">
+                    <a16:creationId xmlns:a16="http://schemas.microsoft.com/office/drawing/2014/main" id="{A8EFF689-02F1-FF76-483A-63527486C3F5}"/>
+                  </a:ext>
+                </a:extLst>
+              </p:cNvPr>
+              <p:cNvCxnSpPr/>
+              <p:nvPr/>
+            </p:nvCxnSpPr>
+            <p:spPr>
+              <a:xfrm>
+                <a:off x="1674844" y="5625528"/>
+                <a:ext cx="621792" cy="0"/>
+              </a:xfrm>
+              <a:prstGeom prst="line">
+                <a:avLst/>
+              </a:prstGeom>
+              <a:ln w="22225"/>
+            </p:spPr>
+            <p:style>
+              <a:lnRef idx="1">
+                <a:schemeClr val="accent3"/>
+              </a:lnRef>
+              <a:fillRef idx="0">
+                <a:schemeClr val="accent3"/>
+              </a:fillRef>
+              <a:effectRef idx="0">
+                <a:schemeClr val="accent3"/>
+              </a:effectRef>
+              <a:fontRef idx="minor">
+                <a:schemeClr val="tx1"/>
+              </a:fontRef>
+            </p:style>
+          </p:cxnSp>
+          <p:sp>
+            <p:nvSpPr>
+              <p:cNvPr id="62" name="文字方塊 61">
+                <a:extLst>
+                  <a:ext uri="{FF2B5EF4-FFF2-40B4-BE49-F238E27FC236}">
+                    <a16:creationId xmlns:a16="http://schemas.microsoft.com/office/drawing/2014/main" id="{1D1C99C1-062F-5797-F022-9A05F4B7A00E}"/>
+                  </a:ext>
+                </a:extLst>
+              </p:cNvPr>
+              <p:cNvSpPr txBox="1"/>
+              <p:nvPr/>
+            </p:nvSpPr>
+            <p:spPr>
+              <a:xfrm>
+                <a:off x="4514760" y="6219015"/>
+                <a:ext cx="1006686" cy="369332"/>
+              </a:xfrm>
+              <a:prstGeom prst="rect">
+                <a:avLst/>
+              </a:prstGeom>
+              <a:noFill/>
+            </p:spPr>
+            <p:txBody>
+              <a:bodyPr wrap="none" rtlCol="0">
+                <a:spAutoFit/>
+              </a:bodyPr>
+              <a:lstStyle/>
+              <a:p>
+                <a:r>
+                  <a:rPr kumimoji="1" lang="en-US" altLang="zh-TW" dirty="0"/>
+                  <a:t>frontend</a:t>
+                </a:r>
+                <a:endParaRPr kumimoji="1" lang="zh-TW" altLang="en-US" dirty="0"/>
+              </a:p>
+            </p:txBody>
+          </p:sp>
+          <p:sp>
+            <p:nvSpPr>
+              <p:cNvPr id="68" name="文字方塊 67">
+                <a:extLst>
+                  <a:ext uri="{FF2B5EF4-FFF2-40B4-BE49-F238E27FC236}">
+                    <a16:creationId xmlns:a16="http://schemas.microsoft.com/office/drawing/2014/main" id="{C963E039-434A-70CD-60A7-52ED03857F39}"/>
+                  </a:ext>
+                </a:extLst>
+              </p:cNvPr>
+              <p:cNvSpPr txBox="1"/>
+              <p:nvPr/>
+            </p:nvSpPr>
+            <p:spPr>
+              <a:xfrm>
+                <a:off x="6435864" y="6228033"/>
+                <a:ext cx="973920" cy="369332"/>
+              </a:xfrm>
+              <a:prstGeom prst="rect">
+                <a:avLst/>
+              </a:prstGeom>
+              <a:noFill/>
+            </p:spPr>
+            <p:txBody>
+              <a:bodyPr wrap="none" rtlCol="0">
+                <a:spAutoFit/>
+              </a:bodyPr>
+              <a:lstStyle/>
+              <a:p>
+                <a:r>
+                  <a:rPr kumimoji="1" lang="en-US" altLang="zh-TW" dirty="0"/>
+                  <a:t>Backend</a:t>
+                </a:r>
+                <a:endParaRPr kumimoji="1" lang="zh-TW" altLang="en-US" dirty="0"/>
+              </a:p>
+            </p:txBody>
+          </p:sp>
+        </p:grpSp>
+      </p:grpSp>
+      <p:cxnSp>
+        <p:nvCxnSpPr>
+          <p:cNvPr id="7" name="直線接點 6">
             <a:extLst>
               <a:ext uri="{FF2B5EF4-FFF2-40B4-BE49-F238E27FC236}">
-                <a16:creationId xmlns:a16="http://schemas.microsoft.com/office/drawing/2014/main" id="{BD0398F7-94C4-A451-2236-43C964ADB67F}"/>
+                <a16:creationId xmlns:a16="http://schemas.microsoft.com/office/drawing/2014/main" id="{F008126F-3BF3-2ACC-2E8B-82725D8F337B}"/>
               </a:ext>
             </a:extLst>
           </p:cNvPr>
-          <p:cNvPicPr>
-            <a:picLocks noChangeAspect="1"/>
-          </p:cNvPicPr>
-          <p:nvPr/>
-        </p:nvPicPr>
-        <p:blipFill>
-          <a:blip r:embed="rId5"/>
-          <a:stretch>
-            <a:fillRect/>
-          </a:stretch>
-        </p:blipFill>
-        <p:spPr>
-          <a:xfrm>
-            <a:off x="5544702" y="2491854"/>
-            <a:ext cx="1358628" cy="1230988"/>
-          </a:xfrm>
-          <a:prstGeom prst="rect">
-            <a:avLst/>
-          </a:prstGeom>
-        </p:spPr>
-      </p:pic>
-      <p:pic>
-        <p:nvPicPr>
-          <p:cNvPr id="12" name="圖片 11">
-            <a:extLst>
-              <a:ext uri="{FF2B5EF4-FFF2-40B4-BE49-F238E27FC236}">
-                <a16:creationId xmlns:a16="http://schemas.microsoft.com/office/drawing/2014/main" id="{8FBCC8D3-480A-13F6-75D4-E410A66C1B09}"/>
-              </a:ext>
-            </a:extLst>
-          </p:cNvPr>
-          <p:cNvPicPr>
-            <a:picLocks noChangeAspect="1"/>
-          </p:cNvPicPr>
-          <p:nvPr/>
-        </p:nvPicPr>
-        <p:blipFill>
-          <a:blip r:embed="rId6"/>
-          <a:stretch>
-            <a:fillRect/>
-          </a:stretch>
-        </p:blipFill>
-        <p:spPr>
-          <a:xfrm>
-            <a:off x="8712709" y="4303745"/>
-            <a:ext cx="1804447" cy="1804447"/>
-          </a:xfrm>
-          <a:prstGeom prst="rect">
-            <a:avLst/>
-          </a:prstGeom>
-        </p:spPr>
-      </p:pic>
-      <p:sp>
-        <p:nvSpPr>
-          <p:cNvPr id="13" name="向右箭號 12">
-            <a:extLst>
-              <a:ext uri="{FF2B5EF4-FFF2-40B4-BE49-F238E27FC236}">
-                <a16:creationId xmlns:a16="http://schemas.microsoft.com/office/drawing/2014/main" id="{8C5A4009-8AC6-58E5-1170-16988FD048A9}"/>
-              </a:ext>
-            </a:extLst>
-          </p:cNvPr>
-          <p:cNvSpPr/>
-          <p:nvPr/>
-        </p:nvSpPr>
-        <p:spPr>
-          <a:xfrm>
-            <a:off x="3673603" y="5140833"/>
-            <a:ext cx="4837176" cy="266954"/>
-          </a:xfrm>
-          <a:prstGeom prst="rightArrow">
-            <a:avLst/>
-          </a:prstGeom>
-          <a:noFill/>
-          <a:ln w="28575"/>
-        </p:spPr>
-        <p:style>
-          <a:lnRef idx="2">
-            <a:schemeClr val="accent1">
-              <a:shade val="15000"/>
-            </a:schemeClr>
-          </a:lnRef>
-          <a:fillRef idx="1">
-            <a:schemeClr val="accent1"/>
-          </a:fillRef>
-          <a:effectRef idx="0">
-            <a:schemeClr val="accent1"/>
-          </a:effectRef>
-          <a:fontRef idx="minor">
-            <a:schemeClr val="lt1"/>
-          </a:fontRef>
-        </p:style>
-        <p:txBody>
-          <a:bodyPr rtlCol="0" anchor="ctr"/>
-          <a:lstStyle/>
-          <a:p>
-            <a:pPr algn="ctr"/>
-            <a:endParaRPr kumimoji="1" lang="zh-TW" altLang="en-US"/>
-          </a:p>
-        </p:txBody>
-      </p:sp>
-      <p:sp>
-        <p:nvSpPr>
-          <p:cNvPr id="14" name="文字方塊 13">
-            <a:extLst>
-              <a:ext uri="{FF2B5EF4-FFF2-40B4-BE49-F238E27FC236}">
-                <a16:creationId xmlns:a16="http://schemas.microsoft.com/office/drawing/2014/main" id="{728079A4-4240-CA32-C3C5-BBD81FDD5111}"/>
-              </a:ext>
-            </a:extLst>
-          </p:cNvPr>
-          <p:cNvSpPr txBox="1"/>
-          <p:nvPr/>
-        </p:nvSpPr>
-        <p:spPr>
-          <a:xfrm>
-            <a:off x="2275331" y="5823138"/>
-            <a:ext cx="1343766" cy="369332"/>
-          </a:xfrm>
-          <a:prstGeom prst="rect">
-            <a:avLst/>
-          </a:prstGeom>
-          <a:noFill/>
-        </p:spPr>
-        <p:txBody>
-          <a:bodyPr wrap="none" rtlCol="0">
-            <a:spAutoFit/>
-          </a:bodyPr>
-          <a:lstStyle/>
-          <a:p>
-            <a:r>
-              <a:rPr kumimoji="1" lang="en-US" altLang="zh-TW" dirty="0"/>
-              <a:t>Local Device</a:t>
-            </a:r>
-            <a:endParaRPr kumimoji="1" lang="zh-TW" altLang="en-US" dirty="0"/>
-          </a:p>
-        </p:txBody>
-      </p:sp>
-      <p:sp>
-        <p:nvSpPr>
-          <p:cNvPr id="15" name="文字方塊 14">
-            <a:extLst>
-              <a:ext uri="{FF2B5EF4-FFF2-40B4-BE49-F238E27FC236}">
-                <a16:creationId xmlns:a16="http://schemas.microsoft.com/office/drawing/2014/main" id="{CB6113BB-9EF3-D88A-F646-5668182A727B}"/>
-              </a:ext>
-            </a:extLst>
-          </p:cNvPr>
-          <p:cNvSpPr txBox="1"/>
-          <p:nvPr/>
-        </p:nvSpPr>
-        <p:spPr>
-          <a:xfrm>
-            <a:off x="9035395" y="5807631"/>
-            <a:ext cx="950004" cy="369332"/>
-          </a:xfrm>
-          <a:prstGeom prst="rect">
-            <a:avLst/>
-          </a:prstGeom>
-          <a:noFill/>
-        </p:spPr>
-        <p:txBody>
-          <a:bodyPr wrap="none" rtlCol="0">
-            <a:spAutoFit/>
-          </a:bodyPr>
-          <a:lstStyle/>
-          <a:p>
-            <a:r>
-              <a:rPr kumimoji="1" lang="en-US" altLang="zh-TW" dirty="0"/>
-              <a:t>Website</a:t>
-            </a:r>
-            <a:endParaRPr kumimoji="1" lang="zh-TW" altLang="en-US" dirty="0"/>
-          </a:p>
-        </p:txBody>
-      </p:sp>
-      <p:sp>
-        <p:nvSpPr>
-          <p:cNvPr id="24" name="文字方塊 23">
-            <a:extLst>
-              <a:ext uri="{FF2B5EF4-FFF2-40B4-BE49-F238E27FC236}">
-                <a16:creationId xmlns:a16="http://schemas.microsoft.com/office/drawing/2014/main" id="{4A86CBCD-21B5-7600-4F40-3CDC9EF4AFCF}"/>
-              </a:ext>
-            </a:extLst>
-          </p:cNvPr>
-          <p:cNvSpPr txBox="1"/>
-          <p:nvPr/>
-        </p:nvSpPr>
-        <p:spPr>
-          <a:xfrm>
-            <a:off x="5637060" y="3673113"/>
-            <a:ext cx="1173911" cy="369332"/>
-          </a:xfrm>
-          <a:prstGeom prst="rect">
-            <a:avLst/>
-          </a:prstGeom>
-          <a:noFill/>
-        </p:spPr>
-        <p:txBody>
-          <a:bodyPr wrap="none" rtlCol="0">
-            <a:spAutoFit/>
-          </a:bodyPr>
-          <a:lstStyle/>
-          <a:p>
-            <a:r>
-              <a:rPr kumimoji="1" lang="en-US" altLang="zh-TW" dirty="0"/>
-              <a:t>Aid Center</a:t>
-            </a:r>
-            <a:endParaRPr kumimoji="1" lang="zh-TW" altLang="en-US" dirty="0"/>
-          </a:p>
-        </p:txBody>
-      </p:sp>
-      <p:sp>
-        <p:nvSpPr>
-          <p:cNvPr id="25" name="向右箭號 24">
-            <a:extLst>
-              <a:ext uri="{FF2B5EF4-FFF2-40B4-BE49-F238E27FC236}">
-                <a16:creationId xmlns:a16="http://schemas.microsoft.com/office/drawing/2014/main" id="{9B41AACE-AD69-4BB0-70DA-51BF59614B10}"/>
-              </a:ext>
-            </a:extLst>
-          </p:cNvPr>
-          <p:cNvSpPr/>
-          <p:nvPr/>
-        </p:nvSpPr>
-        <p:spPr>
-          <a:xfrm rot="19984919">
-            <a:off x="3151159" y="3929977"/>
-            <a:ext cx="2599016" cy="266954"/>
-          </a:xfrm>
-          <a:prstGeom prst="rightArrow">
-            <a:avLst>
-              <a:gd name="adj1" fmla="val 50000"/>
-              <a:gd name="adj2" fmla="val 50000"/>
-            </a:avLst>
-          </a:prstGeom>
-          <a:noFill/>
-          <a:ln w="28575"/>
-        </p:spPr>
-        <p:style>
-          <a:lnRef idx="2">
-            <a:schemeClr val="accent1">
-              <a:shade val="15000"/>
-            </a:schemeClr>
-          </a:lnRef>
-          <a:fillRef idx="1">
-            <a:schemeClr val="accent1"/>
-          </a:fillRef>
-          <a:effectRef idx="0">
-            <a:schemeClr val="accent1"/>
-          </a:effectRef>
-          <a:fontRef idx="minor">
-            <a:schemeClr val="lt1"/>
-          </a:fontRef>
-        </p:style>
-        <p:txBody>
-          <a:bodyPr rtlCol="0" anchor="ctr"/>
-          <a:lstStyle/>
-          <a:p>
-            <a:pPr algn="ctr"/>
-            <a:endParaRPr kumimoji="1" lang="zh-TW" altLang="en-US"/>
-          </a:p>
-        </p:txBody>
-      </p:sp>
-      <p:sp>
-        <p:nvSpPr>
-          <p:cNvPr id="29" name="向右箭號 28">
-            <a:extLst>
-              <a:ext uri="{FF2B5EF4-FFF2-40B4-BE49-F238E27FC236}">
-                <a16:creationId xmlns:a16="http://schemas.microsoft.com/office/drawing/2014/main" id="{3BE6E1F1-223E-322E-F974-B609954CA55D}"/>
-              </a:ext>
-            </a:extLst>
-          </p:cNvPr>
-          <p:cNvSpPr/>
-          <p:nvPr/>
-        </p:nvSpPr>
-        <p:spPr>
-          <a:xfrm rot="2025598">
-            <a:off x="6816382" y="3706920"/>
-            <a:ext cx="1865816" cy="293234"/>
-          </a:xfrm>
-          <a:prstGeom prst="rightArrow">
-            <a:avLst>
-              <a:gd name="adj1" fmla="val 50000"/>
-              <a:gd name="adj2" fmla="val 50000"/>
-            </a:avLst>
-          </a:prstGeom>
-          <a:noFill/>
-          <a:ln w="28575"/>
-        </p:spPr>
-        <p:style>
-          <a:lnRef idx="2">
-            <a:schemeClr val="accent1">
-              <a:shade val="15000"/>
-            </a:schemeClr>
-          </a:lnRef>
-          <a:fillRef idx="1">
-            <a:schemeClr val="accent1"/>
-          </a:fillRef>
-          <a:effectRef idx="0">
-            <a:schemeClr val="accent1"/>
-          </a:effectRef>
-          <a:fontRef idx="minor">
-            <a:schemeClr val="lt1"/>
-          </a:fontRef>
-        </p:style>
-        <p:txBody>
-          <a:bodyPr rtlCol="0" anchor="ctr"/>
-          <a:lstStyle/>
-          <a:p>
-            <a:pPr algn="ctr"/>
-            <a:endParaRPr kumimoji="1" lang="zh-TW" altLang="en-US"/>
-          </a:p>
-        </p:txBody>
-      </p:sp>
-      <p:cxnSp>
-        <p:nvCxnSpPr>
-          <p:cNvPr id="34" name="直線接點 33">
-            <a:extLst>
-              <a:ext uri="{FF2B5EF4-FFF2-40B4-BE49-F238E27FC236}">
-                <a16:creationId xmlns:a16="http://schemas.microsoft.com/office/drawing/2014/main" id="{430C7C05-6F13-65C0-853F-C28C05C4F209}"/>
-              </a:ext>
-            </a:extLst>
-          </p:cNvPr>
-          <p:cNvCxnSpPr/>
+          <p:cNvCxnSpPr>
+            <a:cxnSpLocks/>
+          </p:cNvCxnSpPr>
           <p:nvPr/>
         </p:nvCxnSpPr>
         <p:spPr>
-          <a:xfrm flipV="1">
-            <a:off x="6232634" y="4042445"/>
-            <a:ext cx="0" cy="2548868"/>
+          <a:xfrm>
+            <a:off x="8231285" y="5242925"/>
+            <a:ext cx="3297696" cy="0"/>
           </a:xfrm>
           <a:prstGeom prst="line">
             <a:avLst/>
@@ -25253,10 +25987,10 @@
       </p:cxnSp>
       <p:pic>
         <p:nvPicPr>
-          <p:cNvPr id="36" name="圖形 35" descr="資料庫 以實心填滿">
+          <p:cNvPr id="16" name="圖片 15">
             <a:extLst>
               <a:ext uri="{FF2B5EF4-FFF2-40B4-BE49-F238E27FC236}">
-                <a16:creationId xmlns:a16="http://schemas.microsoft.com/office/drawing/2014/main" id="{FEE10BDA-6955-DC72-D4BD-802057C22F34}"/>
+                <a16:creationId xmlns:a16="http://schemas.microsoft.com/office/drawing/2014/main" id="{34F600F3-00C0-D7FF-3613-F60F7BD7ED60}"/>
               </a:ext>
             </a:extLst>
           </p:cNvPr>
@@ -25266,10 +26000,40 @@
           <p:nvPr/>
         </p:nvPicPr>
         <p:blipFill>
-          <a:blip r:embed="rId7">
+          <a:blip r:embed="rId8"/>
+          <a:stretch>
+            <a:fillRect/>
+          </a:stretch>
+        </p:blipFill>
+        <p:spPr>
+          <a:xfrm>
+            <a:off x="9329232" y="3851297"/>
+            <a:ext cx="1101801" cy="1334698"/>
+          </a:xfrm>
+          <a:prstGeom prst="rect">
+            <a:avLst/>
+          </a:prstGeom>
+        </p:spPr>
+      </p:pic>
+      <p:pic>
+        <p:nvPicPr>
+          <p:cNvPr id="17" name="圖形 16" descr="使用者 以實心填滿">
+            <a:extLst>
+              <a:ext uri="{FF2B5EF4-FFF2-40B4-BE49-F238E27FC236}">
+                <a16:creationId xmlns:a16="http://schemas.microsoft.com/office/drawing/2014/main" id="{86524449-8F9B-72BF-0804-167ECB250069}"/>
+              </a:ext>
+            </a:extLst>
+          </p:cNvPr>
+          <p:cNvPicPr>
+            <a:picLocks noChangeAspect="1"/>
+          </p:cNvPicPr>
+          <p:nvPr/>
+        </p:nvPicPr>
+        <p:blipFill>
+          <a:blip r:embed="rId5">
             <a:extLst>
               <a:ext uri="{96DAC541-7B7A-43D3-8B79-37D633B846F1}">
-                <asvg:svgBlip xmlns:asvg="http://schemas.microsoft.com/office/drawing/2016/SVG/main" r:embed="rId8"/>
+                <asvg:svgBlip xmlns:asvg="http://schemas.microsoft.com/office/drawing/2016/SVG/main" r:embed="rId6"/>
               </a:ext>
             </a:extLst>
           </a:blip>
@@ -25279,59 +26043,20 @@
         </p:blipFill>
         <p:spPr>
           <a:xfrm>
-            <a:off x="10974701" y="4634693"/>
-            <a:ext cx="1063299" cy="1188445"/>
+            <a:off x="8065177" y="5550851"/>
+            <a:ext cx="802142" cy="1092899"/>
           </a:xfrm>
           <a:prstGeom prst="rect">
             <a:avLst/>
           </a:prstGeom>
         </p:spPr>
       </p:pic>
-      <p:cxnSp>
-        <p:nvCxnSpPr>
-          <p:cNvPr id="40" name="直線接點 39">
+      <p:pic>
+        <p:nvPicPr>
+          <p:cNvPr id="18" name="圖形 17" descr="使用者 以實心填滿">
             <a:extLst>
               <a:ext uri="{FF2B5EF4-FFF2-40B4-BE49-F238E27FC236}">
-                <a16:creationId xmlns:a16="http://schemas.microsoft.com/office/drawing/2014/main" id="{26579761-FE6D-E64E-9D44-0F5BEF0DB348}"/>
-              </a:ext>
-            </a:extLst>
-          </p:cNvPr>
-          <p:cNvCxnSpPr>
-            <a:cxnSpLocks/>
-          </p:cNvCxnSpPr>
-          <p:nvPr/>
-        </p:nvCxnSpPr>
-        <p:spPr>
-          <a:xfrm>
-            <a:off x="10347732" y="5232551"/>
-            <a:ext cx="736305" cy="0"/>
-          </a:xfrm>
-          <a:prstGeom prst="line">
-            <a:avLst/>
-          </a:prstGeom>
-          <a:ln w="22225"/>
-        </p:spPr>
-        <p:style>
-          <a:lnRef idx="1">
-            <a:schemeClr val="accent3"/>
-          </a:lnRef>
-          <a:fillRef idx="0">
-            <a:schemeClr val="accent3"/>
-          </a:fillRef>
-          <a:effectRef idx="0">
-            <a:schemeClr val="accent3"/>
-          </a:effectRef>
-          <a:fontRef idx="minor">
-            <a:schemeClr val="tx1"/>
-          </a:fontRef>
-        </p:style>
-      </p:cxnSp>
-      <p:pic>
-        <p:nvPicPr>
-          <p:cNvPr id="51" name="圖形 50" descr="資料庫 以實心填滿">
-            <a:extLst>
-              <a:ext uri="{FF2B5EF4-FFF2-40B4-BE49-F238E27FC236}">
-                <a16:creationId xmlns:a16="http://schemas.microsoft.com/office/drawing/2014/main" id="{43DC40E0-2CA3-FFB5-091F-1CE98F8C3C82}"/>
+                <a16:creationId xmlns:a16="http://schemas.microsoft.com/office/drawing/2014/main" id="{21575B3F-41CB-D4DC-1CE4-14FEBF699061}"/>
               </a:ext>
             </a:extLst>
           </p:cNvPr>
@@ -25341,10 +26066,10 @@
           <p:nvPr/>
         </p:nvPicPr>
         <p:blipFill>
-          <a:blip r:embed="rId7">
+          <a:blip r:embed="rId5">
             <a:extLst>
               <a:ext uri="{96DAC541-7B7A-43D3-8B79-37D633B846F1}">
-                <asvg:svgBlip xmlns:asvg="http://schemas.microsoft.com/office/drawing/2016/SVG/main" r:embed="rId8"/>
+                <asvg:svgBlip xmlns:asvg="http://schemas.microsoft.com/office/drawing/2016/SVG/main" r:embed="rId6"/>
               </a:ext>
             </a:extLst>
           </a:blip>
@@ -25354,57 +26079,212 @@
         </p:blipFill>
         <p:spPr>
           <a:xfrm>
-            <a:off x="611545" y="4988518"/>
-            <a:ext cx="1063299" cy="1188445"/>
+            <a:off x="9448107" y="5550851"/>
+            <a:ext cx="802142" cy="1092899"/>
           </a:xfrm>
           <a:prstGeom prst="rect">
             <a:avLst/>
           </a:prstGeom>
         </p:spPr>
       </p:pic>
-      <p:cxnSp>
-        <p:nvCxnSpPr>
-          <p:cNvPr id="61" name="直線接點 60">
+      <p:pic>
+        <p:nvPicPr>
+          <p:cNvPr id="19" name="圖形 18" descr="使用者 以實心填滿">
             <a:extLst>
               <a:ext uri="{FF2B5EF4-FFF2-40B4-BE49-F238E27FC236}">
-                <a16:creationId xmlns:a16="http://schemas.microsoft.com/office/drawing/2014/main" id="{A8EFF689-02F1-FF76-483A-63527486C3F5}"/>
+                <a16:creationId xmlns:a16="http://schemas.microsoft.com/office/drawing/2014/main" id="{BFE12121-DEBA-D7D6-812B-8D965E309764}"/>
               </a:ext>
             </a:extLst>
           </p:cNvPr>
-          <p:cNvCxnSpPr/>
+          <p:cNvPicPr>
+            <a:picLocks noChangeAspect="1"/>
+          </p:cNvPicPr>
           <p:nvPr/>
-        </p:nvCxnSpPr>
+        </p:nvPicPr>
+        <p:blipFill>
+          <a:blip r:embed="rId5">
+            <a:extLst>
+              <a:ext uri="{96DAC541-7B7A-43D3-8B79-37D633B846F1}">
+                <asvg:svgBlip xmlns:asvg="http://schemas.microsoft.com/office/drawing/2016/SVG/main" r:embed="rId6"/>
+              </a:ext>
+            </a:extLst>
+          </a:blip>
+          <a:stretch>
+            <a:fillRect/>
+          </a:stretch>
+        </p:blipFill>
         <p:spPr>
           <a:xfrm>
-            <a:off x="1674844" y="5625528"/>
-            <a:ext cx="621792" cy="0"/>
+            <a:off x="10831037" y="5520643"/>
+            <a:ext cx="802142" cy="1092899"/>
           </a:xfrm>
-          <a:prstGeom prst="line">
+          <a:prstGeom prst="rect">
             <a:avLst/>
           </a:prstGeom>
-          <a:ln w="22225"/>
+        </p:spPr>
+      </p:pic>
+      <p:sp>
+        <p:nvSpPr>
+          <p:cNvPr id="21" name="上-下雙向箭號 20">
+            <a:extLst>
+              <a:ext uri="{FF2B5EF4-FFF2-40B4-BE49-F238E27FC236}">
+                <a16:creationId xmlns:a16="http://schemas.microsoft.com/office/drawing/2014/main" id="{90B29A92-1EBD-270C-4972-0B6E2A572EF3}"/>
+              </a:ext>
+            </a:extLst>
+          </p:cNvPr>
+          <p:cNvSpPr/>
+          <p:nvPr/>
+        </p:nvSpPr>
+        <p:spPr>
+          <a:xfrm>
+            <a:off x="9757103" y="4949410"/>
+            <a:ext cx="184151" cy="593475"/>
+          </a:xfrm>
+          <a:prstGeom prst="upDownArrow">
+            <a:avLst/>
+          </a:prstGeom>
+          <a:solidFill>
+            <a:schemeClr val="accent3">
+              <a:alpha val="50000"/>
+            </a:schemeClr>
+          </a:solidFill>
+          <a:ln>
+            <a:noFill/>
+          </a:ln>
         </p:spPr>
         <p:style>
-          <a:lnRef idx="1">
-            <a:schemeClr val="accent3"/>
+          <a:lnRef idx="0">
+            <a:scrgbClr r="0" g="0" b="0"/>
           </a:lnRef>
           <a:fillRef idx="0">
-            <a:schemeClr val="accent3"/>
+            <a:scrgbClr r="0" g="0" b="0"/>
           </a:fillRef>
           <a:effectRef idx="0">
-            <a:schemeClr val="accent3"/>
+            <a:scrgbClr r="0" g="0" b="0"/>
           </a:effectRef>
           <a:fontRef idx="minor">
-            <a:schemeClr val="tx1"/>
+            <a:schemeClr val="lt1"/>
           </a:fontRef>
         </p:style>
-      </p:cxnSp>
-      <p:sp>
-        <p:nvSpPr>
-          <p:cNvPr id="62" name="文字方塊 61">
+        <p:txBody>
+          <a:bodyPr rtlCol="0" anchor="ctr"/>
+          <a:lstStyle/>
+          <a:p>
+            <a:pPr algn="ctr"/>
+            <a:endParaRPr kumimoji="1" lang="zh-TW" altLang="en-US"/>
+          </a:p>
+        </p:txBody>
+      </p:sp>
+      <p:sp>
+        <p:nvSpPr>
+          <p:cNvPr id="22" name="上-下雙向箭號 21">
             <a:extLst>
               <a:ext uri="{FF2B5EF4-FFF2-40B4-BE49-F238E27FC236}">
-                <a16:creationId xmlns:a16="http://schemas.microsoft.com/office/drawing/2014/main" id="{1D1C99C1-062F-5797-F022-9A05F4B7A00E}"/>
+                <a16:creationId xmlns:a16="http://schemas.microsoft.com/office/drawing/2014/main" id="{26C8EFB6-F304-E6F0-1641-AFEEF2B10BFD}"/>
+              </a:ext>
+            </a:extLst>
+          </p:cNvPr>
+          <p:cNvSpPr/>
+          <p:nvPr/>
+        </p:nvSpPr>
+        <p:spPr>
+          <a:xfrm rot="3146541">
+            <a:off x="8956775" y="4796599"/>
+            <a:ext cx="186156" cy="991813"/>
+          </a:xfrm>
+          <a:prstGeom prst="upDownArrow">
+            <a:avLst/>
+          </a:prstGeom>
+          <a:solidFill>
+            <a:schemeClr val="accent3">
+              <a:alpha val="50000"/>
+            </a:schemeClr>
+          </a:solidFill>
+          <a:ln>
+            <a:noFill/>
+          </a:ln>
+        </p:spPr>
+        <p:style>
+          <a:lnRef idx="0">
+            <a:scrgbClr r="0" g="0" b="0"/>
+          </a:lnRef>
+          <a:fillRef idx="0">
+            <a:scrgbClr r="0" g="0" b="0"/>
+          </a:fillRef>
+          <a:effectRef idx="0">
+            <a:scrgbClr r="0" g="0" b="0"/>
+          </a:effectRef>
+          <a:fontRef idx="minor">
+            <a:schemeClr val="lt1"/>
+          </a:fontRef>
+        </p:style>
+        <p:txBody>
+          <a:bodyPr rtlCol="0" anchor="ctr"/>
+          <a:lstStyle/>
+          <a:p>
+            <a:pPr algn="ctr"/>
+            <a:endParaRPr kumimoji="1" lang="zh-TW" altLang="en-US"/>
+          </a:p>
+        </p:txBody>
+      </p:sp>
+      <p:sp>
+        <p:nvSpPr>
+          <p:cNvPr id="23" name="上-下雙向箭號 22">
+            <a:extLst>
+              <a:ext uri="{FF2B5EF4-FFF2-40B4-BE49-F238E27FC236}">
+                <a16:creationId xmlns:a16="http://schemas.microsoft.com/office/drawing/2014/main" id="{10B31E21-1F16-C77C-066B-2667F1063EAC}"/>
+              </a:ext>
+            </a:extLst>
+          </p:cNvPr>
+          <p:cNvSpPr/>
+          <p:nvPr/>
+        </p:nvSpPr>
+        <p:spPr>
+          <a:xfrm rot="18549237">
+            <a:off x="10656286" y="4798353"/>
+            <a:ext cx="186156" cy="991813"/>
+          </a:xfrm>
+          <a:prstGeom prst="upDownArrow">
+            <a:avLst/>
+          </a:prstGeom>
+          <a:solidFill>
+            <a:schemeClr val="accent3">
+              <a:alpha val="50000"/>
+            </a:schemeClr>
+          </a:solidFill>
+          <a:ln>
+            <a:noFill/>
+          </a:ln>
+        </p:spPr>
+        <p:style>
+          <a:lnRef idx="0">
+            <a:scrgbClr r="0" g="0" b="0"/>
+          </a:lnRef>
+          <a:fillRef idx="0">
+            <a:scrgbClr r="0" g="0" b="0"/>
+          </a:fillRef>
+          <a:effectRef idx="0">
+            <a:scrgbClr r="0" g="0" b="0"/>
+          </a:effectRef>
+          <a:fontRef idx="minor">
+            <a:schemeClr val="lt1"/>
+          </a:fontRef>
+        </p:style>
+        <p:txBody>
+          <a:bodyPr rtlCol="0" anchor="ctr"/>
+          <a:lstStyle/>
+          <a:p>
+            <a:pPr algn="ctr"/>
+            <a:endParaRPr kumimoji="1" lang="zh-TW" altLang="en-US"/>
+          </a:p>
+        </p:txBody>
+      </p:sp>
+      <p:sp>
+        <p:nvSpPr>
+          <p:cNvPr id="26" name="文字方塊 25">
+            <a:extLst>
+              <a:ext uri="{FF2B5EF4-FFF2-40B4-BE49-F238E27FC236}">
+                <a16:creationId xmlns:a16="http://schemas.microsoft.com/office/drawing/2014/main" id="{6A983408-8FBB-0184-D763-D9D8B54A3B3D}"/>
               </a:ext>
             </a:extLst>
           </p:cNvPr>
@@ -25413,8 +26293,8 @@
         </p:nvSpPr>
         <p:spPr>
           <a:xfrm>
-            <a:off x="5041359" y="6188768"/>
-            <a:ext cx="1006686" cy="369332"/>
+            <a:off x="11193375" y="4754443"/>
+            <a:ext cx="594679" cy="273184"/>
           </a:xfrm>
           <a:prstGeom prst="rect">
             <a:avLst/>
@@ -25429,7 +26309,7 @@
           <a:p>
             <a:r>
               <a:rPr kumimoji="1" lang="en-US" altLang="zh-TW" dirty="0"/>
-              <a:t>frontend</a:t>
+              <a:t>Backend</a:t>
             </a:r>
             <a:endParaRPr kumimoji="1" lang="zh-TW" altLang="en-US" dirty="0"/>
           </a:p>
@@ -25437,10 +26317,10 @@
       </p:sp>
       <p:sp>
         <p:nvSpPr>
-          <p:cNvPr id="68" name="文字方塊 67">
+          <p:cNvPr id="27" name="文字方塊 26">
             <a:extLst>
               <a:ext uri="{FF2B5EF4-FFF2-40B4-BE49-F238E27FC236}">
-                <a16:creationId xmlns:a16="http://schemas.microsoft.com/office/drawing/2014/main" id="{C963E039-434A-70CD-60A7-52ED03857F39}"/>
+                <a16:creationId xmlns:a16="http://schemas.microsoft.com/office/drawing/2014/main" id="{B88336BF-390E-7D3A-CFFE-D673EC7F4511}"/>
               </a:ext>
             </a:extLst>
           </p:cNvPr>
@@ -25449,8 +26329,8 @@
         </p:nvSpPr>
         <p:spPr>
           <a:xfrm>
-            <a:off x="6417224" y="6177687"/>
-            <a:ext cx="973921" cy="369332"/>
+            <a:off x="11192686" y="5303704"/>
+            <a:ext cx="614686" cy="273184"/>
           </a:xfrm>
           <a:prstGeom prst="rect">
             <a:avLst/>
@@ -25465,7 +26345,7 @@
           <a:p>
             <a:r>
               <a:rPr kumimoji="1" lang="en-US" altLang="zh-TW" dirty="0"/>
-              <a:t>Backend</a:t>
+              <a:t>frontend</a:t>
             </a:r>
             <a:endParaRPr kumimoji="1" lang="zh-TW" altLang="en-US" dirty="0"/>
           </a:p>

--- a/docs/論文口試.pptx
+++ b/docs/論文口試.pptx
@@ -544,7 +544,7 @@
           <a:p>
             <a:r>
               <a:rPr kumimoji="1" lang="zh-TW" altLang="en-US" dirty="0"/>
-              <a:t>委員好，與會的同學好</a:t>
+              <a:t>委員好</a:t>
             </a:r>
             <a:endParaRPr kumimoji="1" lang="en-US" altLang="zh-TW" dirty="0"/>
           </a:p>
@@ -4234,7 +4234,7 @@
           <a:p>
             <a:r>
               <a:rPr kumimoji="1" lang="zh-TW" altLang="en-US" dirty="0"/>
-              <a:t>我的報告到這邊結束，謝謝各位委員與與會的同學</a:t>
+              <a:t>我的報告到這邊結束，謝謝各位委員</a:t>
             </a:r>
             <a:endParaRPr kumimoji="1" lang="en-US" altLang="zh-TW" dirty="0"/>
           </a:p>
@@ -5811,7 +5811,23 @@
             </a:pPr>
             <a:r>
               <a:rPr kumimoji="1" lang="zh-TW" altLang="en-US" dirty="0"/>
-              <a:t>學長無形之中給自己的設計做了一個錯誤的假設，即“網頁是靜態應用”，後面所有關於數據的說法都是基於這個假設才成立。</a:t>
+              <a:t>但是</a:t>
+            </a:r>
+            <a:r>
+              <a:rPr kumimoji="1" lang="en-US" altLang="zh-TW" dirty="0"/>
+              <a:t> AID </a:t>
+            </a:r>
+            <a:r>
+              <a:rPr kumimoji="1" lang="zh-TW" altLang="en-US" dirty="0"/>
+              <a:t>作為社群網路身份，從本質就是要被別人識別，但學長的假設卻要求不傳出任何數據到網路上，別人自然無法讀取我們裝置內的數據，那談何識別我們的</a:t>
+            </a:r>
+            <a:r>
+              <a:rPr kumimoji="1" lang="en-US" altLang="zh-TW" dirty="0"/>
+              <a:t>AID</a:t>
+            </a:r>
+            <a:r>
+              <a:rPr kumimoji="1" lang="zh-TW" altLang="en-US" dirty="0"/>
+              <a:t>，怎麼產生社群交流。</a:t>
             </a:r>
             <a:endParaRPr kumimoji="1" lang="en-US" altLang="zh-TW" dirty="0"/>
           </a:p>
@@ -5835,15 +5851,15 @@
             </a:pPr>
             <a:r>
               <a:rPr kumimoji="1" lang="zh-TW" altLang="en-US" dirty="0"/>
-              <a:t>但是</a:t>
+              <a:t>因此學長之後還是補充了一句內容：</a:t>
             </a:r>
             <a:r>
               <a:rPr kumimoji="1" lang="en-US" altLang="zh-TW" dirty="0"/>
-              <a:t> AID </a:t>
+              <a:t>”</a:t>
             </a:r>
             <a:r>
               <a:rPr kumimoji="1" lang="zh-TW" altLang="en-US" dirty="0"/>
-              <a:t>作為社群網路身份，從本質就是要被別人識別，但學長的假設卻要求不傳出任何數據到網路上，別人自然無法讀取我們裝置內的數據，那談何識別我們的</a:t>
+              <a:t>當服務要求傳出數據時，把對應服務的</a:t>
             </a:r>
             <a:r>
               <a:rPr kumimoji="1" lang="en-US" altLang="zh-TW" dirty="0"/>
@@ -5851,41 +5867,12 @@
             </a:r>
             <a:r>
               <a:rPr kumimoji="1" lang="zh-TW" altLang="en-US" dirty="0"/>
-              <a:t>，怎麼產生社群交流。</a:t>
-            </a:r>
-            <a:endParaRPr kumimoji="1" lang="en-US" altLang="zh-TW" dirty="0"/>
-          </a:p>
-          <a:p>
-            <a:pPr marL="0" marR="0" lvl="0" indent="0" algn="l" defTabSz="914400" rtl="0" eaLnBrk="1" fontAlgn="auto" latinLnBrk="0" hangingPunct="1">
-              <a:lnSpc>
-                <a:spcPct val="100000"/>
-              </a:lnSpc>
-              <a:spcBef>
-                <a:spcPts val="0"/>
-              </a:spcBef>
-              <a:spcAft>
-                <a:spcPts val="0"/>
-              </a:spcAft>
-              <a:buClrTx/>
-              <a:buSzTx/>
-              <a:buFontTx/>
-              <a:buNone/>
-              <a:tabLst/>
-              <a:defRPr/>
-            </a:pPr>
-            <a:r>
-              <a:rPr kumimoji="1" lang="zh-TW" altLang="en-US" dirty="0"/>
-              <a:t>更進一步，這裡可以拿網路遊戲的設計史，來做簡略的說明</a:t>
+              <a:t>數據都給傳出去</a:t>
             </a:r>
             <a:r>
               <a:rPr kumimoji="1" lang="en-US" altLang="zh-TW" dirty="0"/>
-              <a:t>: </a:t>
-            </a:r>
-            <a:r>
-              <a:rPr kumimoji="1" lang="zh-TW" altLang="en-US" dirty="0"/>
-              <a:t>最早的遊戲基本上所有數據都放在個人設備，但卻出現了作弊等外掛，這些外掛的原理就是直接修改本地的數據。</a:t>
-            </a:r>
-            <a:endParaRPr kumimoji="1" lang="en-US" altLang="zh-TW" dirty="0"/>
+              <a:t>”</a:t>
+            </a:r>
           </a:p>
           <a:p>
             <a:pPr marL="0" marR="0" lvl="0" indent="0" algn="l" defTabSz="914400" rtl="0" eaLnBrk="1" fontAlgn="auto" latinLnBrk="0" hangingPunct="1">
@@ -5927,31 +5914,15 @@
             </a:pPr>
             <a:r>
               <a:rPr kumimoji="1" lang="zh-TW" altLang="en-US" dirty="0"/>
-              <a:t>學長的設計中使用了靜態應用的假設，卻聲明了動態應用的能力。</a:t>
-            </a:r>
-            <a:endParaRPr kumimoji="1" lang="en-US" altLang="zh-TW" dirty="0"/>
-          </a:p>
-          <a:p>
-            <a:pPr marL="0" marR="0" lvl="0" indent="0" algn="l" defTabSz="914400" rtl="0" eaLnBrk="1" fontAlgn="auto" latinLnBrk="0" hangingPunct="1">
-              <a:lnSpc>
-                <a:spcPct val="100000"/>
-              </a:lnSpc>
-              <a:spcBef>
-                <a:spcPts val="0"/>
-              </a:spcBef>
-              <a:spcAft>
-                <a:spcPts val="0"/>
-              </a:spcAft>
-              <a:buClrTx/>
-              <a:buSzTx/>
-              <a:buFontTx/>
-              <a:buNone/>
-              <a:tabLst/>
-              <a:defRPr/>
-            </a:pPr>
+              <a:t>但我想把數據存在</a:t>
+            </a:r>
+            <a:r>
+              <a:rPr kumimoji="1" lang="en-US" altLang="zh-TW" dirty="0"/>
+              <a:t> Local </a:t>
+            </a:r>
             <a:r>
               <a:rPr kumimoji="1" lang="zh-TW" altLang="en-US" dirty="0"/>
-              <a:t>接著我介紹一下何為靜態應用何為動態應用</a:t>
+              <a:t>，登入時別人想用就傳出去，甚至持續留在服務中，從本質上做了一個重大假設，即服務會信任用戶</a:t>
             </a:r>
             <a:endParaRPr kumimoji="1" lang="en-US" altLang="zh-TW" dirty="0"/>
           </a:p>
@@ -5995,259 +5966,15 @@
             </a:pPr>
             <a:r>
               <a:rPr kumimoji="1" lang="zh-TW" altLang="en-US" dirty="0"/>
-              <a:t>在網路應用，所有流程被拆成兩段，前端與後端，前端在使用者裝置上運行，可以獲取使用者裝置的資料庫，可以透過網路連接後端。</a:t>
-            </a:r>
-            <a:endParaRPr kumimoji="1" lang="en-US" altLang="zh-TW" dirty="0"/>
-          </a:p>
-          <a:p>
-            <a:pPr marL="0" marR="0" lvl="0" indent="0" algn="l" defTabSz="914400" rtl="0" eaLnBrk="1" fontAlgn="auto" latinLnBrk="0" hangingPunct="1">
-              <a:lnSpc>
-                <a:spcPct val="100000"/>
-              </a:lnSpc>
-              <a:spcBef>
-                <a:spcPts val="0"/>
-              </a:spcBef>
-              <a:spcAft>
-                <a:spcPts val="0"/>
-              </a:spcAft>
-              <a:buClrTx/>
-              <a:buSzTx/>
-              <a:buFontTx/>
-              <a:buNone/>
-              <a:tabLst/>
-              <a:defRPr/>
-            </a:pPr>
+              <a:t>更進一步，這裡可以拿網路遊戲的設計史，來做簡略的說明</a:t>
+            </a:r>
+            <a:r>
+              <a:rPr kumimoji="1" lang="en-US" altLang="zh-TW" dirty="0"/>
+              <a:t>: </a:t>
+            </a:r>
             <a:r>
               <a:rPr kumimoji="1" lang="zh-TW" altLang="en-US" dirty="0"/>
-              <a:t>後端存在於網路彼端的伺服器內，沒辦法加載使用者裝置內的數據，但自己維持一個大型資料庫。</a:t>
-            </a:r>
-            <a:endParaRPr kumimoji="1" lang="en-US" altLang="zh-TW" dirty="0"/>
-          </a:p>
-          <a:p>
-            <a:pPr marL="0" marR="0" lvl="0" indent="0" algn="l" defTabSz="914400" rtl="0" eaLnBrk="1" fontAlgn="auto" latinLnBrk="0" hangingPunct="1">
-              <a:lnSpc>
-                <a:spcPct val="100000"/>
-              </a:lnSpc>
-              <a:spcBef>
-                <a:spcPts val="0"/>
-              </a:spcBef>
-              <a:spcAft>
-                <a:spcPts val="0"/>
-              </a:spcAft>
-              <a:buClrTx/>
-              <a:buSzTx/>
-              <a:buFontTx/>
-              <a:buNone/>
-              <a:tabLst/>
-              <a:defRPr/>
-            </a:pPr>
-            <a:endParaRPr kumimoji="1" lang="en-US" altLang="zh-TW" dirty="0"/>
-          </a:p>
-          <a:p>
-            <a:pPr marL="0" marR="0" lvl="0" indent="0" algn="l" defTabSz="914400" rtl="0" eaLnBrk="1" fontAlgn="auto" latinLnBrk="0" hangingPunct="1">
-              <a:lnSpc>
-                <a:spcPct val="100000"/>
-              </a:lnSpc>
-              <a:spcBef>
-                <a:spcPts val="0"/>
-              </a:spcBef>
-              <a:spcAft>
-                <a:spcPts val="0"/>
-              </a:spcAft>
-              <a:buClrTx/>
-              <a:buSzTx/>
-              <a:buFontTx/>
-              <a:buNone/>
-              <a:tabLst/>
-              <a:defRPr/>
-            </a:pPr>
-            <a:r>
-              <a:rPr kumimoji="1" lang="zh-TW" altLang="en-US" dirty="0"/>
-              <a:t>至此我們可以大概有一個認知了</a:t>
-            </a:r>
-            <a:r>
-              <a:rPr kumimoji="1" lang="en-US" altLang="zh-TW" dirty="0"/>
-              <a:t>:</a:t>
-            </a:r>
-            <a:r>
-              <a:rPr kumimoji="1" lang="zh-TW" altLang="en-US" dirty="0"/>
-              <a:t>社群網路身份要拿來與人交流，勢必要傳出數據與接收數據</a:t>
-            </a:r>
-            <a:endParaRPr kumimoji="1" lang="en-US" altLang="zh-TW" dirty="0"/>
-          </a:p>
-          <a:p>
-            <a:pPr marL="0" marR="0" lvl="0" indent="0" algn="l" defTabSz="914400" rtl="0" eaLnBrk="1" fontAlgn="auto" latinLnBrk="0" hangingPunct="1">
-              <a:lnSpc>
-                <a:spcPct val="100000"/>
-              </a:lnSpc>
-              <a:spcBef>
-                <a:spcPts val="0"/>
-              </a:spcBef>
-              <a:spcAft>
-                <a:spcPts val="0"/>
-              </a:spcAft>
-              <a:buClrTx/>
-              <a:buSzTx/>
-              <a:buFontTx/>
-              <a:buNone/>
-              <a:tabLst/>
-              <a:defRPr/>
-            </a:pPr>
-            <a:r>
-              <a:rPr kumimoji="1" lang="zh-TW" altLang="en-US" dirty="0"/>
-              <a:t>但在學長的設計中，只要下載應用程式的靜態代碼後，具備讀取個人裝置目錄的能力即可運作，這顯然有所缺失。</a:t>
-            </a:r>
-            <a:endParaRPr kumimoji="1" lang="en-US" altLang="zh-TW" dirty="0"/>
-          </a:p>
-          <a:p>
-            <a:pPr marL="0" marR="0" lvl="0" indent="0" algn="l" defTabSz="914400" rtl="0" eaLnBrk="1" fontAlgn="auto" latinLnBrk="0" hangingPunct="1">
-              <a:lnSpc>
-                <a:spcPct val="100000"/>
-              </a:lnSpc>
-              <a:spcBef>
-                <a:spcPts val="0"/>
-              </a:spcBef>
-              <a:spcAft>
-                <a:spcPts val="0"/>
-              </a:spcAft>
-              <a:buClrTx/>
-              <a:buSzTx/>
-              <a:buFontTx/>
-              <a:buNone/>
-              <a:tabLst/>
-              <a:defRPr/>
-            </a:pPr>
-            <a:endParaRPr kumimoji="1" lang="en-US" altLang="zh-TW" dirty="0"/>
-          </a:p>
-          <a:p>
-            <a:pPr marL="0" marR="0" lvl="0" indent="0" algn="l" defTabSz="914400" rtl="0" eaLnBrk="1" fontAlgn="auto" latinLnBrk="0" hangingPunct="1">
-              <a:lnSpc>
-                <a:spcPct val="100000"/>
-              </a:lnSpc>
-              <a:spcBef>
-                <a:spcPts val="0"/>
-              </a:spcBef>
-              <a:spcAft>
-                <a:spcPts val="0"/>
-              </a:spcAft>
-              <a:buClrTx/>
-              <a:buSzTx/>
-              <a:buFontTx/>
-              <a:buNone/>
-              <a:tabLst/>
-              <a:defRPr/>
-            </a:pPr>
-            <a:r>
-              <a:rPr kumimoji="1" lang="zh-TW" altLang="en-US" dirty="0"/>
-              <a:t>為了證明這個說法，我向各位說明學長的</a:t>
-            </a:r>
-            <a:r>
-              <a:rPr kumimoji="1" lang="en-US" altLang="zh-TW" dirty="0"/>
-              <a:t>AID</a:t>
-            </a:r>
-            <a:r>
-              <a:rPr kumimoji="1" lang="zh-TW" altLang="en-US" dirty="0"/>
-              <a:t>機制分別在靜態與動態下的情況。</a:t>
-            </a:r>
-            <a:endParaRPr kumimoji="1" lang="en-US" altLang="zh-TW" dirty="0"/>
-          </a:p>
-          <a:p>
-            <a:pPr marL="0" marR="0" lvl="0" indent="0" algn="l" defTabSz="914400" rtl="0" eaLnBrk="1" fontAlgn="auto" latinLnBrk="0" hangingPunct="1">
-              <a:lnSpc>
-                <a:spcPct val="100000"/>
-              </a:lnSpc>
-              <a:spcBef>
-                <a:spcPts val="0"/>
-              </a:spcBef>
-              <a:spcAft>
-                <a:spcPts val="0"/>
-              </a:spcAft>
-              <a:buClrTx/>
-              <a:buSzTx/>
-              <a:buFontTx/>
-              <a:buNone/>
-              <a:tabLst/>
-              <a:defRPr/>
-            </a:pPr>
-            <a:endParaRPr kumimoji="1" lang="en-US" altLang="zh-TW" dirty="0"/>
-          </a:p>
-          <a:p>
-            <a:pPr marL="0" marR="0" lvl="0" indent="0" algn="l" defTabSz="914400" rtl="0" eaLnBrk="1" fontAlgn="auto" latinLnBrk="0" hangingPunct="1">
-              <a:lnSpc>
-                <a:spcPct val="100000"/>
-              </a:lnSpc>
-              <a:spcBef>
-                <a:spcPts val="0"/>
-              </a:spcBef>
-              <a:spcAft>
-                <a:spcPts val="0"/>
-              </a:spcAft>
-              <a:buClrTx/>
-              <a:buSzTx/>
-              <a:buFontTx/>
-              <a:buNone/>
-              <a:tabLst/>
-              <a:defRPr/>
-            </a:pPr>
-            <a:r>
-              <a:rPr kumimoji="1" lang="zh-TW" altLang="en-US" dirty="0"/>
-              <a:t>所謂的靜態應用，表示使用者在加載了應用程式後，只會使用前端功能，這樣一來</a:t>
-            </a:r>
-            <a:r>
-              <a:rPr kumimoji="1" lang="en-US" altLang="zh-TW" dirty="0"/>
-              <a:t>Aid</a:t>
-            </a:r>
-            <a:r>
-              <a:rPr kumimoji="1" lang="zh-TW" altLang="en-US" dirty="0"/>
-              <a:t>機制就不再有意義，因為只在個人裝置運作根本沒有太複雜的身分需求。</a:t>
-            </a:r>
-            <a:endParaRPr kumimoji="1" lang="en-US" altLang="zh-TW" dirty="0"/>
-          </a:p>
-          <a:p>
-            <a:pPr marL="0" marR="0" lvl="0" indent="0" algn="l" defTabSz="914400" rtl="0" eaLnBrk="1" fontAlgn="auto" latinLnBrk="0" hangingPunct="1">
-              <a:lnSpc>
-                <a:spcPct val="100000"/>
-              </a:lnSpc>
-              <a:spcBef>
-                <a:spcPts val="0"/>
-              </a:spcBef>
-              <a:spcAft>
-                <a:spcPts val="0"/>
-              </a:spcAft>
-              <a:buClrTx/>
-              <a:buSzTx/>
-              <a:buFontTx/>
-              <a:buNone/>
-              <a:tabLst/>
-              <a:defRPr/>
-            </a:pPr>
-            <a:r>
-              <a:rPr kumimoji="1" lang="zh-TW" altLang="en-US" dirty="0"/>
-              <a:t>而動態應用，表示使用者在應用運作過程，需要透過網路與他人產生互動。但這樣一來或是使用者上傳數據，或是後端生成數據，所謂把資料全部存在本地裝置的說法，意義不大。</a:t>
-            </a:r>
-            <a:endParaRPr kumimoji="1" lang="en-US" altLang="zh-TW" dirty="0"/>
-          </a:p>
-          <a:p>
-            <a:pPr marL="0" marR="0" lvl="0" indent="0" algn="l" defTabSz="914400" rtl="0" eaLnBrk="1" fontAlgn="auto" latinLnBrk="0" hangingPunct="1">
-              <a:lnSpc>
-                <a:spcPct val="100000"/>
-              </a:lnSpc>
-              <a:spcBef>
-                <a:spcPts val="0"/>
-              </a:spcBef>
-              <a:spcAft>
-                <a:spcPts val="0"/>
-              </a:spcAft>
-              <a:buClrTx/>
-              <a:buSzTx/>
-              <a:buFontTx/>
-              <a:buNone/>
-              <a:tabLst/>
-              <a:defRPr/>
-            </a:pPr>
-            <a:r>
-              <a:rPr kumimoji="1" lang="zh-TW" altLang="en-US" dirty="0"/>
-              <a:t>甚至，更嚴重的問題在於網頁應用憑什麼要信任使用者傳入的數據，存在使用者身上過，誰知道有沒有被偷改。</a:t>
+              <a:t>最早的遊戲基本上所有數據都放在個人設備，但卻出現了作弊等外掛，這些外掛的原理就是直接修改本地的數據。</a:t>
             </a:r>
             <a:endParaRPr kumimoji="1" lang="en-US" altLang="zh-TW" dirty="0"/>
           </a:p>
@@ -25224,51 +24951,8 @@
           <a:lstStyle/>
           <a:p>
             <a:r>
-              <a:rPr kumimoji="1" lang="en" altLang="zh-TW" sz="1800" b="1" dirty="0">
-                <a:solidFill>
-                  <a:srgbClr val="212121"/>
-                </a:solidFill>
-                <a:latin typeface="Arial" panose="020B0604020202020204" pitchFamily="34" charset="0"/>
-              </a:rPr>
-              <a:t>Static: </a:t>
-            </a:r>
-            <a:r>
-              <a:rPr kumimoji="1" lang="en" altLang="zh-TW" sz="1800" dirty="0">
-                <a:solidFill>
-                  <a:srgbClr val="212121"/>
-                </a:solidFill>
-                <a:latin typeface="Arial" panose="020B0604020202020204" pitchFamily="34" charset="0"/>
-              </a:rPr>
-              <a:t>User device can load application and access local data directly. Aid is </a:t>
-            </a:r>
-            <a:r>
-              <a:rPr kumimoji="1" lang="en" altLang="zh-TW" sz="1800" b="1" dirty="0">
-                <a:solidFill>
-                  <a:srgbClr val="212121"/>
-                </a:solidFill>
-                <a:latin typeface="Arial" panose="020B0604020202020204" pitchFamily="34" charset="0"/>
-              </a:rPr>
-              <a:t>unnecessary</a:t>
-            </a:r>
-          </a:p>
-          <a:p>
-            <a:r>
-              <a:rPr kumimoji="1" lang="en" altLang="zh-TW" sz="1800" b="1" dirty="0">
-                <a:solidFill>
-                  <a:srgbClr val="212121"/>
-                </a:solidFill>
-                <a:latin typeface="Arial" panose="020B0604020202020204" pitchFamily="34" charset="0"/>
-              </a:rPr>
-              <a:t>Non-static: </a:t>
-            </a:r>
-            <a:r>
-              <a:rPr kumimoji="1" lang="en" altLang="zh-TW" sz="1800" dirty="0">
-                <a:solidFill>
-                  <a:srgbClr val="212121"/>
-                </a:solidFill>
-                <a:latin typeface="Arial" panose="020B0604020202020204" pitchFamily="34" charset="0"/>
-              </a:rPr>
-              <a:t>There's no point in using a web app that doesn't allow you to communicate with other people.</a:t>
+              <a:rPr kumimoji="1" lang="en-US" altLang="zh-TW" sz="1800" dirty="0"/>
+              <a:t>User store data and give service data</a:t>
             </a:r>
           </a:p>
           <a:p>
@@ -25297,7 +24981,7 @@
         </p:nvGrpSpPr>
         <p:grpSpPr>
           <a:xfrm>
-            <a:off x="838200" y="3244683"/>
+            <a:off x="325803" y="2887844"/>
             <a:ext cx="6977032" cy="3026449"/>
             <a:chOff x="611545" y="2505752"/>
             <a:chExt cx="11426455" cy="4091613"/>
@@ -25941,416 +25625,437 @@
           </p:sp>
         </p:grpSp>
       </p:grpSp>
-      <p:cxnSp>
-        <p:nvCxnSpPr>
-          <p:cNvPr id="7" name="直線接點 6">
+      <p:grpSp>
+        <p:nvGrpSpPr>
+          <p:cNvPr id="8" name="群組 7">
             <a:extLst>
               <a:ext uri="{FF2B5EF4-FFF2-40B4-BE49-F238E27FC236}">
-                <a16:creationId xmlns:a16="http://schemas.microsoft.com/office/drawing/2014/main" id="{F008126F-3BF3-2ACC-2E8B-82725D8F337B}"/>
+                <a16:creationId xmlns:a16="http://schemas.microsoft.com/office/drawing/2014/main" id="{6125278C-A68F-A29F-5488-BCAACA7FFBAF}"/>
               </a:ext>
             </a:extLst>
           </p:cNvPr>
-          <p:cNvCxnSpPr>
-            <a:cxnSpLocks/>
-          </p:cNvCxnSpPr>
+          <p:cNvGrpSpPr/>
           <p:nvPr/>
-        </p:nvCxnSpPr>
-        <p:spPr>
+        </p:nvGrpSpPr>
+        <p:grpSpPr>
           <a:xfrm>
-            <a:off x="8231285" y="5242925"/>
-            <a:ext cx="3297696" cy="0"/>
+            <a:off x="7888543" y="3150696"/>
+            <a:ext cx="3742195" cy="2792453"/>
+            <a:chOff x="8065177" y="3851297"/>
+            <a:chExt cx="3742195" cy="2792453"/>
           </a:xfrm>
-          <a:prstGeom prst="line">
-            <a:avLst/>
-          </a:prstGeom>
-          <a:ln w="41275">
+        </p:grpSpPr>
+        <p:cxnSp>
+          <p:nvCxnSpPr>
+            <p:cNvPr id="7" name="直線接點 6">
+              <a:extLst>
+                <a:ext uri="{FF2B5EF4-FFF2-40B4-BE49-F238E27FC236}">
+                  <a16:creationId xmlns:a16="http://schemas.microsoft.com/office/drawing/2014/main" id="{F008126F-3BF3-2ACC-2E8B-82725D8F337B}"/>
+                </a:ext>
+              </a:extLst>
+            </p:cNvPr>
+            <p:cNvCxnSpPr>
+              <a:cxnSpLocks/>
+            </p:cNvCxnSpPr>
+            <p:nvPr/>
+          </p:nvCxnSpPr>
+          <p:spPr>
+            <a:xfrm>
+              <a:off x="8231285" y="5242925"/>
+              <a:ext cx="3297696" cy="0"/>
+            </a:xfrm>
+            <a:prstGeom prst="line">
+              <a:avLst/>
+            </a:prstGeom>
+            <a:ln w="41275">
+              <a:solidFill>
+                <a:schemeClr val="tx1"/>
+              </a:solidFill>
+              <a:prstDash val="dash"/>
+            </a:ln>
+          </p:spPr>
+          <p:style>
+            <a:lnRef idx="1">
+              <a:schemeClr val="accent1"/>
+            </a:lnRef>
+            <a:fillRef idx="0">
+              <a:schemeClr val="accent1"/>
+            </a:fillRef>
+            <a:effectRef idx="0">
+              <a:schemeClr val="accent1"/>
+            </a:effectRef>
+            <a:fontRef idx="minor">
+              <a:schemeClr val="tx1"/>
+            </a:fontRef>
+          </p:style>
+        </p:cxnSp>
+        <p:pic>
+          <p:nvPicPr>
+            <p:cNvPr id="16" name="圖片 15">
+              <a:extLst>
+                <a:ext uri="{FF2B5EF4-FFF2-40B4-BE49-F238E27FC236}">
+                  <a16:creationId xmlns:a16="http://schemas.microsoft.com/office/drawing/2014/main" id="{34F600F3-00C0-D7FF-3613-F60F7BD7ED60}"/>
+                </a:ext>
+              </a:extLst>
+            </p:cNvPr>
+            <p:cNvPicPr>
+              <a:picLocks noChangeAspect="1"/>
+            </p:cNvPicPr>
+            <p:nvPr/>
+          </p:nvPicPr>
+          <p:blipFill>
+            <a:blip r:embed="rId8"/>
+            <a:stretch>
+              <a:fillRect/>
+            </a:stretch>
+          </p:blipFill>
+          <p:spPr>
+            <a:xfrm>
+              <a:off x="9329232" y="3851297"/>
+              <a:ext cx="1101801" cy="1334698"/>
+            </a:xfrm>
+            <a:prstGeom prst="rect">
+              <a:avLst/>
+            </a:prstGeom>
+          </p:spPr>
+        </p:pic>
+        <p:pic>
+          <p:nvPicPr>
+            <p:cNvPr id="17" name="圖形 16" descr="使用者 以實心填滿">
+              <a:extLst>
+                <a:ext uri="{FF2B5EF4-FFF2-40B4-BE49-F238E27FC236}">
+                  <a16:creationId xmlns:a16="http://schemas.microsoft.com/office/drawing/2014/main" id="{86524449-8F9B-72BF-0804-167ECB250069}"/>
+                </a:ext>
+              </a:extLst>
+            </p:cNvPr>
+            <p:cNvPicPr>
+              <a:picLocks noChangeAspect="1"/>
+            </p:cNvPicPr>
+            <p:nvPr/>
+          </p:nvPicPr>
+          <p:blipFill>
+            <a:blip r:embed="rId5">
+              <a:extLst>
+                <a:ext uri="{96DAC541-7B7A-43D3-8B79-37D633B846F1}">
+                  <asvg:svgBlip xmlns:asvg="http://schemas.microsoft.com/office/drawing/2016/SVG/main" r:embed="rId6"/>
+                </a:ext>
+              </a:extLst>
+            </a:blip>
+            <a:stretch>
+              <a:fillRect/>
+            </a:stretch>
+          </p:blipFill>
+          <p:spPr>
+            <a:xfrm>
+              <a:off x="8065177" y="5550851"/>
+              <a:ext cx="802142" cy="1092899"/>
+            </a:xfrm>
+            <a:prstGeom prst="rect">
+              <a:avLst/>
+            </a:prstGeom>
+          </p:spPr>
+        </p:pic>
+        <p:pic>
+          <p:nvPicPr>
+            <p:cNvPr id="18" name="圖形 17" descr="使用者 以實心填滿">
+              <a:extLst>
+                <a:ext uri="{FF2B5EF4-FFF2-40B4-BE49-F238E27FC236}">
+                  <a16:creationId xmlns:a16="http://schemas.microsoft.com/office/drawing/2014/main" id="{21575B3F-41CB-D4DC-1CE4-14FEBF699061}"/>
+                </a:ext>
+              </a:extLst>
+            </p:cNvPr>
+            <p:cNvPicPr>
+              <a:picLocks noChangeAspect="1"/>
+            </p:cNvPicPr>
+            <p:nvPr/>
+          </p:nvPicPr>
+          <p:blipFill>
+            <a:blip r:embed="rId5">
+              <a:extLst>
+                <a:ext uri="{96DAC541-7B7A-43D3-8B79-37D633B846F1}">
+                  <asvg:svgBlip xmlns:asvg="http://schemas.microsoft.com/office/drawing/2016/SVG/main" r:embed="rId6"/>
+                </a:ext>
+              </a:extLst>
+            </a:blip>
+            <a:stretch>
+              <a:fillRect/>
+            </a:stretch>
+          </p:blipFill>
+          <p:spPr>
+            <a:xfrm>
+              <a:off x="9448107" y="5550851"/>
+              <a:ext cx="802142" cy="1092899"/>
+            </a:xfrm>
+            <a:prstGeom prst="rect">
+              <a:avLst/>
+            </a:prstGeom>
+          </p:spPr>
+        </p:pic>
+        <p:pic>
+          <p:nvPicPr>
+            <p:cNvPr id="19" name="圖形 18" descr="使用者 以實心填滿">
+              <a:extLst>
+                <a:ext uri="{FF2B5EF4-FFF2-40B4-BE49-F238E27FC236}">
+                  <a16:creationId xmlns:a16="http://schemas.microsoft.com/office/drawing/2014/main" id="{BFE12121-DEBA-D7D6-812B-8D965E309764}"/>
+                </a:ext>
+              </a:extLst>
+            </p:cNvPr>
+            <p:cNvPicPr>
+              <a:picLocks noChangeAspect="1"/>
+            </p:cNvPicPr>
+            <p:nvPr/>
+          </p:nvPicPr>
+          <p:blipFill>
+            <a:blip r:embed="rId5">
+              <a:extLst>
+                <a:ext uri="{96DAC541-7B7A-43D3-8B79-37D633B846F1}">
+                  <asvg:svgBlip xmlns:asvg="http://schemas.microsoft.com/office/drawing/2016/SVG/main" r:embed="rId6"/>
+                </a:ext>
+              </a:extLst>
+            </a:blip>
+            <a:stretch>
+              <a:fillRect/>
+            </a:stretch>
+          </p:blipFill>
+          <p:spPr>
+            <a:xfrm>
+              <a:off x="10831037" y="5520643"/>
+              <a:ext cx="802142" cy="1092899"/>
+            </a:xfrm>
+            <a:prstGeom prst="rect">
+              <a:avLst/>
+            </a:prstGeom>
+          </p:spPr>
+        </p:pic>
+        <p:sp>
+          <p:nvSpPr>
+            <p:cNvPr id="21" name="上-下雙向箭號 20">
+              <a:extLst>
+                <a:ext uri="{FF2B5EF4-FFF2-40B4-BE49-F238E27FC236}">
+                  <a16:creationId xmlns:a16="http://schemas.microsoft.com/office/drawing/2014/main" id="{90B29A92-1EBD-270C-4972-0B6E2A572EF3}"/>
+                </a:ext>
+              </a:extLst>
+            </p:cNvPr>
+            <p:cNvSpPr/>
+            <p:nvPr/>
+          </p:nvSpPr>
+          <p:spPr>
+            <a:xfrm>
+              <a:off x="9757103" y="4949410"/>
+              <a:ext cx="184151" cy="593475"/>
+            </a:xfrm>
+            <a:prstGeom prst="upDownArrow">
+              <a:avLst/>
+            </a:prstGeom>
             <a:solidFill>
-              <a:schemeClr val="tx1"/>
+              <a:schemeClr val="accent3">
+                <a:alpha val="50000"/>
+              </a:schemeClr>
             </a:solidFill>
-            <a:prstDash val="dash"/>
-          </a:ln>
-        </p:spPr>
-        <p:style>
-          <a:lnRef idx="1">
-            <a:schemeClr val="accent1"/>
-          </a:lnRef>
-          <a:fillRef idx="0">
-            <a:schemeClr val="accent1"/>
-          </a:fillRef>
-          <a:effectRef idx="0">
-            <a:schemeClr val="accent1"/>
-          </a:effectRef>
-          <a:fontRef idx="minor">
-            <a:schemeClr val="tx1"/>
-          </a:fontRef>
-        </p:style>
-      </p:cxnSp>
-      <p:pic>
-        <p:nvPicPr>
-          <p:cNvPr id="16" name="圖片 15">
-            <a:extLst>
-              <a:ext uri="{FF2B5EF4-FFF2-40B4-BE49-F238E27FC236}">
-                <a16:creationId xmlns:a16="http://schemas.microsoft.com/office/drawing/2014/main" id="{34F600F3-00C0-D7FF-3613-F60F7BD7ED60}"/>
-              </a:ext>
-            </a:extLst>
-          </p:cNvPr>
-          <p:cNvPicPr>
-            <a:picLocks noChangeAspect="1"/>
-          </p:cNvPicPr>
-          <p:nvPr/>
-        </p:nvPicPr>
-        <p:blipFill>
-          <a:blip r:embed="rId8"/>
-          <a:stretch>
-            <a:fillRect/>
-          </a:stretch>
-        </p:blipFill>
-        <p:spPr>
-          <a:xfrm>
-            <a:off x="9329232" y="3851297"/>
-            <a:ext cx="1101801" cy="1334698"/>
-          </a:xfrm>
-          <a:prstGeom prst="rect">
-            <a:avLst/>
-          </a:prstGeom>
-        </p:spPr>
-      </p:pic>
-      <p:pic>
-        <p:nvPicPr>
-          <p:cNvPr id="17" name="圖形 16" descr="使用者 以實心填滿">
-            <a:extLst>
-              <a:ext uri="{FF2B5EF4-FFF2-40B4-BE49-F238E27FC236}">
-                <a16:creationId xmlns:a16="http://schemas.microsoft.com/office/drawing/2014/main" id="{86524449-8F9B-72BF-0804-167ECB250069}"/>
-              </a:ext>
-            </a:extLst>
-          </p:cNvPr>
-          <p:cNvPicPr>
-            <a:picLocks noChangeAspect="1"/>
-          </p:cNvPicPr>
-          <p:nvPr/>
-        </p:nvPicPr>
-        <p:blipFill>
-          <a:blip r:embed="rId5">
-            <a:extLst>
-              <a:ext uri="{96DAC541-7B7A-43D3-8B79-37D633B846F1}">
-                <asvg:svgBlip xmlns:asvg="http://schemas.microsoft.com/office/drawing/2016/SVG/main" r:embed="rId6"/>
-              </a:ext>
-            </a:extLst>
-          </a:blip>
-          <a:stretch>
-            <a:fillRect/>
-          </a:stretch>
-        </p:blipFill>
-        <p:spPr>
-          <a:xfrm>
-            <a:off x="8065177" y="5550851"/>
-            <a:ext cx="802142" cy="1092899"/>
-          </a:xfrm>
-          <a:prstGeom prst="rect">
-            <a:avLst/>
-          </a:prstGeom>
-        </p:spPr>
-      </p:pic>
-      <p:pic>
-        <p:nvPicPr>
-          <p:cNvPr id="18" name="圖形 17" descr="使用者 以實心填滿">
-            <a:extLst>
-              <a:ext uri="{FF2B5EF4-FFF2-40B4-BE49-F238E27FC236}">
-                <a16:creationId xmlns:a16="http://schemas.microsoft.com/office/drawing/2014/main" id="{21575B3F-41CB-D4DC-1CE4-14FEBF699061}"/>
-              </a:ext>
-            </a:extLst>
-          </p:cNvPr>
-          <p:cNvPicPr>
-            <a:picLocks noChangeAspect="1"/>
-          </p:cNvPicPr>
-          <p:nvPr/>
-        </p:nvPicPr>
-        <p:blipFill>
-          <a:blip r:embed="rId5">
-            <a:extLst>
-              <a:ext uri="{96DAC541-7B7A-43D3-8B79-37D633B846F1}">
-                <asvg:svgBlip xmlns:asvg="http://schemas.microsoft.com/office/drawing/2016/SVG/main" r:embed="rId6"/>
-              </a:ext>
-            </a:extLst>
-          </a:blip>
-          <a:stretch>
-            <a:fillRect/>
-          </a:stretch>
-        </p:blipFill>
-        <p:spPr>
-          <a:xfrm>
-            <a:off x="9448107" y="5550851"/>
-            <a:ext cx="802142" cy="1092899"/>
-          </a:xfrm>
-          <a:prstGeom prst="rect">
-            <a:avLst/>
-          </a:prstGeom>
-        </p:spPr>
-      </p:pic>
-      <p:pic>
-        <p:nvPicPr>
-          <p:cNvPr id="19" name="圖形 18" descr="使用者 以實心填滿">
-            <a:extLst>
-              <a:ext uri="{FF2B5EF4-FFF2-40B4-BE49-F238E27FC236}">
-                <a16:creationId xmlns:a16="http://schemas.microsoft.com/office/drawing/2014/main" id="{BFE12121-DEBA-D7D6-812B-8D965E309764}"/>
-              </a:ext>
-            </a:extLst>
-          </p:cNvPr>
-          <p:cNvPicPr>
-            <a:picLocks noChangeAspect="1"/>
-          </p:cNvPicPr>
-          <p:nvPr/>
-        </p:nvPicPr>
-        <p:blipFill>
-          <a:blip r:embed="rId5">
-            <a:extLst>
-              <a:ext uri="{96DAC541-7B7A-43D3-8B79-37D633B846F1}">
-                <asvg:svgBlip xmlns:asvg="http://schemas.microsoft.com/office/drawing/2016/SVG/main" r:embed="rId6"/>
-              </a:ext>
-            </a:extLst>
-          </a:blip>
-          <a:stretch>
-            <a:fillRect/>
-          </a:stretch>
-        </p:blipFill>
-        <p:spPr>
-          <a:xfrm>
-            <a:off x="10831037" y="5520643"/>
-            <a:ext cx="802142" cy="1092899"/>
-          </a:xfrm>
-          <a:prstGeom prst="rect">
-            <a:avLst/>
-          </a:prstGeom>
-        </p:spPr>
-      </p:pic>
-      <p:sp>
-        <p:nvSpPr>
-          <p:cNvPr id="21" name="上-下雙向箭號 20">
-            <a:extLst>
-              <a:ext uri="{FF2B5EF4-FFF2-40B4-BE49-F238E27FC236}">
-                <a16:creationId xmlns:a16="http://schemas.microsoft.com/office/drawing/2014/main" id="{90B29A92-1EBD-270C-4972-0B6E2A572EF3}"/>
-              </a:ext>
-            </a:extLst>
-          </p:cNvPr>
-          <p:cNvSpPr/>
-          <p:nvPr/>
-        </p:nvSpPr>
-        <p:spPr>
-          <a:xfrm>
-            <a:off x="9757103" y="4949410"/>
-            <a:ext cx="184151" cy="593475"/>
-          </a:xfrm>
-          <a:prstGeom prst="upDownArrow">
-            <a:avLst/>
-          </a:prstGeom>
-          <a:solidFill>
-            <a:schemeClr val="accent3">
-              <a:alpha val="50000"/>
-            </a:schemeClr>
-          </a:solidFill>
-          <a:ln>
+            <a:ln>
+              <a:noFill/>
+            </a:ln>
+          </p:spPr>
+          <p:style>
+            <a:lnRef idx="0">
+              <a:scrgbClr r="0" g="0" b="0"/>
+            </a:lnRef>
+            <a:fillRef idx="0">
+              <a:scrgbClr r="0" g="0" b="0"/>
+            </a:fillRef>
+            <a:effectRef idx="0">
+              <a:scrgbClr r="0" g="0" b="0"/>
+            </a:effectRef>
+            <a:fontRef idx="minor">
+              <a:schemeClr val="lt1"/>
+            </a:fontRef>
+          </p:style>
+          <p:txBody>
+            <a:bodyPr rtlCol="0" anchor="ctr"/>
+            <a:lstStyle/>
+            <a:p>
+              <a:pPr algn="ctr"/>
+              <a:endParaRPr kumimoji="1" lang="zh-TW" altLang="en-US"/>
+            </a:p>
+          </p:txBody>
+        </p:sp>
+        <p:sp>
+          <p:nvSpPr>
+            <p:cNvPr id="22" name="上-下雙向箭號 21">
+              <a:extLst>
+                <a:ext uri="{FF2B5EF4-FFF2-40B4-BE49-F238E27FC236}">
+                  <a16:creationId xmlns:a16="http://schemas.microsoft.com/office/drawing/2014/main" id="{26C8EFB6-F304-E6F0-1641-AFEEF2B10BFD}"/>
+                </a:ext>
+              </a:extLst>
+            </p:cNvPr>
+            <p:cNvSpPr/>
+            <p:nvPr/>
+          </p:nvSpPr>
+          <p:spPr>
+            <a:xfrm rot="3146541">
+              <a:off x="8956775" y="4796599"/>
+              <a:ext cx="186156" cy="991813"/>
+            </a:xfrm>
+            <a:prstGeom prst="upDownArrow">
+              <a:avLst/>
+            </a:prstGeom>
+            <a:solidFill>
+              <a:schemeClr val="accent3">
+                <a:alpha val="50000"/>
+              </a:schemeClr>
+            </a:solidFill>
+            <a:ln>
+              <a:noFill/>
+            </a:ln>
+          </p:spPr>
+          <p:style>
+            <a:lnRef idx="0">
+              <a:scrgbClr r="0" g="0" b="0"/>
+            </a:lnRef>
+            <a:fillRef idx="0">
+              <a:scrgbClr r="0" g="0" b="0"/>
+            </a:fillRef>
+            <a:effectRef idx="0">
+              <a:scrgbClr r="0" g="0" b="0"/>
+            </a:effectRef>
+            <a:fontRef idx="minor">
+              <a:schemeClr val="lt1"/>
+            </a:fontRef>
+          </p:style>
+          <p:txBody>
+            <a:bodyPr rtlCol="0" anchor="ctr"/>
+            <a:lstStyle/>
+            <a:p>
+              <a:pPr algn="ctr"/>
+              <a:endParaRPr kumimoji="1" lang="zh-TW" altLang="en-US"/>
+            </a:p>
+          </p:txBody>
+        </p:sp>
+        <p:sp>
+          <p:nvSpPr>
+            <p:cNvPr id="23" name="上-下雙向箭號 22">
+              <a:extLst>
+                <a:ext uri="{FF2B5EF4-FFF2-40B4-BE49-F238E27FC236}">
+                  <a16:creationId xmlns:a16="http://schemas.microsoft.com/office/drawing/2014/main" id="{10B31E21-1F16-C77C-066B-2667F1063EAC}"/>
+                </a:ext>
+              </a:extLst>
+            </p:cNvPr>
+            <p:cNvSpPr/>
+            <p:nvPr/>
+          </p:nvSpPr>
+          <p:spPr>
+            <a:xfrm rot="18549237">
+              <a:off x="10656286" y="4798353"/>
+              <a:ext cx="186156" cy="991813"/>
+            </a:xfrm>
+            <a:prstGeom prst="upDownArrow">
+              <a:avLst/>
+            </a:prstGeom>
+            <a:solidFill>
+              <a:schemeClr val="accent3">
+                <a:alpha val="50000"/>
+              </a:schemeClr>
+            </a:solidFill>
+            <a:ln>
+              <a:noFill/>
+            </a:ln>
+          </p:spPr>
+          <p:style>
+            <a:lnRef idx="0">
+              <a:scrgbClr r="0" g="0" b="0"/>
+            </a:lnRef>
+            <a:fillRef idx="0">
+              <a:scrgbClr r="0" g="0" b="0"/>
+            </a:fillRef>
+            <a:effectRef idx="0">
+              <a:scrgbClr r="0" g="0" b="0"/>
+            </a:effectRef>
+            <a:fontRef idx="minor">
+              <a:schemeClr val="lt1"/>
+            </a:fontRef>
+          </p:style>
+          <p:txBody>
+            <a:bodyPr rtlCol="0" anchor="ctr"/>
+            <a:lstStyle/>
+            <a:p>
+              <a:pPr algn="ctr"/>
+              <a:endParaRPr kumimoji="1" lang="zh-TW" altLang="en-US"/>
+            </a:p>
+          </p:txBody>
+        </p:sp>
+        <p:sp>
+          <p:nvSpPr>
+            <p:cNvPr id="26" name="文字方塊 25">
+              <a:extLst>
+                <a:ext uri="{FF2B5EF4-FFF2-40B4-BE49-F238E27FC236}">
+                  <a16:creationId xmlns:a16="http://schemas.microsoft.com/office/drawing/2014/main" id="{6A983408-8FBB-0184-D763-D9D8B54A3B3D}"/>
+                </a:ext>
+              </a:extLst>
+            </p:cNvPr>
+            <p:cNvSpPr txBox="1"/>
+            <p:nvPr/>
+          </p:nvSpPr>
+          <p:spPr>
+            <a:xfrm>
+              <a:off x="11193375" y="4754443"/>
+              <a:ext cx="594679" cy="273184"/>
+            </a:xfrm>
+            <a:prstGeom prst="rect">
+              <a:avLst/>
+            </a:prstGeom>
             <a:noFill/>
-          </a:ln>
-        </p:spPr>
-        <p:style>
-          <a:lnRef idx="0">
-            <a:scrgbClr r="0" g="0" b="0"/>
-          </a:lnRef>
-          <a:fillRef idx="0">
-            <a:scrgbClr r="0" g="0" b="0"/>
-          </a:fillRef>
-          <a:effectRef idx="0">
-            <a:scrgbClr r="0" g="0" b="0"/>
-          </a:effectRef>
-          <a:fontRef idx="minor">
-            <a:schemeClr val="lt1"/>
-          </a:fontRef>
-        </p:style>
-        <p:txBody>
-          <a:bodyPr rtlCol="0" anchor="ctr"/>
-          <a:lstStyle/>
-          <a:p>
-            <a:pPr algn="ctr"/>
-            <a:endParaRPr kumimoji="1" lang="zh-TW" altLang="en-US"/>
-          </a:p>
-        </p:txBody>
-      </p:sp>
-      <p:sp>
-        <p:nvSpPr>
-          <p:cNvPr id="22" name="上-下雙向箭號 21">
-            <a:extLst>
-              <a:ext uri="{FF2B5EF4-FFF2-40B4-BE49-F238E27FC236}">
-                <a16:creationId xmlns:a16="http://schemas.microsoft.com/office/drawing/2014/main" id="{26C8EFB6-F304-E6F0-1641-AFEEF2B10BFD}"/>
-              </a:ext>
-            </a:extLst>
-          </p:cNvPr>
-          <p:cNvSpPr/>
-          <p:nvPr/>
-        </p:nvSpPr>
-        <p:spPr>
-          <a:xfrm rot="3146541">
-            <a:off x="8956775" y="4796599"/>
-            <a:ext cx="186156" cy="991813"/>
-          </a:xfrm>
-          <a:prstGeom prst="upDownArrow">
-            <a:avLst/>
-          </a:prstGeom>
-          <a:solidFill>
-            <a:schemeClr val="accent3">
-              <a:alpha val="50000"/>
-            </a:schemeClr>
-          </a:solidFill>
-          <a:ln>
+          </p:spPr>
+          <p:txBody>
+            <a:bodyPr wrap="none" rtlCol="0">
+              <a:spAutoFit/>
+            </a:bodyPr>
+            <a:lstStyle/>
+            <a:p>
+              <a:r>
+                <a:rPr kumimoji="1" lang="en-US" altLang="zh-TW" dirty="0"/>
+                <a:t>Backend</a:t>
+              </a:r>
+              <a:endParaRPr kumimoji="1" lang="zh-TW" altLang="en-US" dirty="0"/>
+            </a:p>
+          </p:txBody>
+        </p:sp>
+        <p:sp>
+          <p:nvSpPr>
+            <p:cNvPr id="27" name="文字方塊 26">
+              <a:extLst>
+                <a:ext uri="{FF2B5EF4-FFF2-40B4-BE49-F238E27FC236}">
+                  <a16:creationId xmlns:a16="http://schemas.microsoft.com/office/drawing/2014/main" id="{B88336BF-390E-7D3A-CFFE-D673EC7F4511}"/>
+                </a:ext>
+              </a:extLst>
+            </p:cNvPr>
+            <p:cNvSpPr txBox="1"/>
+            <p:nvPr/>
+          </p:nvSpPr>
+          <p:spPr>
+            <a:xfrm>
+              <a:off x="11192686" y="5303704"/>
+              <a:ext cx="614686" cy="273184"/>
+            </a:xfrm>
+            <a:prstGeom prst="rect">
+              <a:avLst/>
+            </a:prstGeom>
             <a:noFill/>
-          </a:ln>
-        </p:spPr>
-        <p:style>
-          <a:lnRef idx="0">
-            <a:scrgbClr r="0" g="0" b="0"/>
-          </a:lnRef>
-          <a:fillRef idx="0">
-            <a:scrgbClr r="0" g="0" b="0"/>
-          </a:fillRef>
-          <a:effectRef idx="0">
-            <a:scrgbClr r="0" g="0" b="0"/>
-          </a:effectRef>
-          <a:fontRef idx="minor">
-            <a:schemeClr val="lt1"/>
-          </a:fontRef>
-        </p:style>
-        <p:txBody>
-          <a:bodyPr rtlCol="0" anchor="ctr"/>
-          <a:lstStyle/>
-          <a:p>
-            <a:pPr algn="ctr"/>
-            <a:endParaRPr kumimoji="1" lang="zh-TW" altLang="en-US"/>
-          </a:p>
-        </p:txBody>
-      </p:sp>
-      <p:sp>
-        <p:nvSpPr>
-          <p:cNvPr id="23" name="上-下雙向箭號 22">
-            <a:extLst>
-              <a:ext uri="{FF2B5EF4-FFF2-40B4-BE49-F238E27FC236}">
-                <a16:creationId xmlns:a16="http://schemas.microsoft.com/office/drawing/2014/main" id="{10B31E21-1F16-C77C-066B-2667F1063EAC}"/>
-              </a:ext>
-            </a:extLst>
-          </p:cNvPr>
-          <p:cNvSpPr/>
-          <p:nvPr/>
-        </p:nvSpPr>
-        <p:spPr>
-          <a:xfrm rot="18549237">
-            <a:off x="10656286" y="4798353"/>
-            <a:ext cx="186156" cy="991813"/>
-          </a:xfrm>
-          <a:prstGeom prst="upDownArrow">
-            <a:avLst/>
-          </a:prstGeom>
-          <a:solidFill>
-            <a:schemeClr val="accent3">
-              <a:alpha val="50000"/>
-            </a:schemeClr>
-          </a:solidFill>
-          <a:ln>
-            <a:noFill/>
-          </a:ln>
-        </p:spPr>
-        <p:style>
-          <a:lnRef idx="0">
-            <a:scrgbClr r="0" g="0" b="0"/>
-          </a:lnRef>
-          <a:fillRef idx="0">
-            <a:scrgbClr r="0" g="0" b="0"/>
-          </a:fillRef>
-          <a:effectRef idx="0">
-            <a:scrgbClr r="0" g="0" b="0"/>
-          </a:effectRef>
-          <a:fontRef idx="minor">
-            <a:schemeClr val="lt1"/>
-          </a:fontRef>
-        </p:style>
-        <p:txBody>
-          <a:bodyPr rtlCol="0" anchor="ctr"/>
-          <a:lstStyle/>
-          <a:p>
-            <a:pPr algn="ctr"/>
-            <a:endParaRPr kumimoji="1" lang="zh-TW" altLang="en-US"/>
-          </a:p>
-        </p:txBody>
-      </p:sp>
-      <p:sp>
-        <p:nvSpPr>
-          <p:cNvPr id="26" name="文字方塊 25">
-            <a:extLst>
-              <a:ext uri="{FF2B5EF4-FFF2-40B4-BE49-F238E27FC236}">
-                <a16:creationId xmlns:a16="http://schemas.microsoft.com/office/drawing/2014/main" id="{6A983408-8FBB-0184-D763-D9D8B54A3B3D}"/>
-              </a:ext>
-            </a:extLst>
-          </p:cNvPr>
-          <p:cNvSpPr txBox="1"/>
-          <p:nvPr/>
-        </p:nvSpPr>
-        <p:spPr>
-          <a:xfrm>
-            <a:off x="11193375" y="4754443"/>
-            <a:ext cx="594679" cy="273184"/>
-          </a:xfrm>
-          <a:prstGeom prst="rect">
-            <a:avLst/>
-          </a:prstGeom>
-          <a:noFill/>
-        </p:spPr>
-        <p:txBody>
-          <a:bodyPr wrap="none" rtlCol="0">
-            <a:spAutoFit/>
-          </a:bodyPr>
-          <a:lstStyle/>
-          <a:p>
-            <a:r>
-              <a:rPr kumimoji="1" lang="en-US" altLang="zh-TW" dirty="0"/>
-              <a:t>Backend</a:t>
-            </a:r>
-            <a:endParaRPr kumimoji="1" lang="zh-TW" altLang="en-US" dirty="0"/>
-          </a:p>
-        </p:txBody>
-      </p:sp>
-      <p:sp>
-        <p:nvSpPr>
-          <p:cNvPr id="27" name="文字方塊 26">
-            <a:extLst>
-              <a:ext uri="{FF2B5EF4-FFF2-40B4-BE49-F238E27FC236}">
-                <a16:creationId xmlns:a16="http://schemas.microsoft.com/office/drawing/2014/main" id="{B88336BF-390E-7D3A-CFFE-D673EC7F4511}"/>
-              </a:ext>
-            </a:extLst>
-          </p:cNvPr>
-          <p:cNvSpPr txBox="1"/>
-          <p:nvPr/>
-        </p:nvSpPr>
-        <p:spPr>
-          <a:xfrm>
-            <a:off x="11192686" y="5303704"/>
-            <a:ext cx="614686" cy="273184"/>
-          </a:xfrm>
-          <a:prstGeom prst="rect">
-            <a:avLst/>
-          </a:prstGeom>
-          <a:noFill/>
-        </p:spPr>
-        <p:txBody>
-          <a:bodyPr wrap="none" rtlCol="0">
-            <a:spAutoFit/>
-          </a:bodyPr>
-          <a:lstStyle/>
-          <a:p>
-            <a:r>
-              <a:rPr kumimoji="1" lang="en-US" altLang="zh-TW" dirty="0"/>
-              <a:t>frontend</a:t>
-            </a:r>
-            <a:endParaRPr kumimoji="1" lang="zh-TW" altLang="en-US" dirty="0"/>
-          </a:p>
-        </p:txBody>
-      </p:sp>
+          </p:spPr>
+          <p:txBody>
+            <a:bodyPr wrap="none" rtlCol="0">
+              <a:spAutoFit/>
+            </a:bodyPr>
+            <a:lstStyle/>
+            <a:p>
+              <a:r>
+                <a:rPr kumimoji="1" lang="en-US" altLang="zh-TW" dirty="0"/>
+                <a:t>frontend</a:t>
+              </a:r>
+              <a:endParaRPr kumimoji="1" lang="zh-TW" altLang="en-US" dirty="0"/>
+            </a:p>
+          </p:txBody>
+        </p:sp>
+      </p:grpSp>
     </p:spTree>
     <p:extLst>
       <p:ext uri="{BB962C8B-B14F-4D97-AF65-F5344CB8AC3E}">

--- a/docs/論文口試.pptx
+++ b/docs/論文口試.pptx
@@ -231,7 +231,7 @@
           <a:p>
             <a:fld id="{4E610593-ED62-D540-AE43-8AB97E2CB5DF}" type="datetimeFigureOut">
               <a:rPr kumimoji="1" lang="zh-TW" altLang="en-US" smtClean="0"/>
-              <a:t>2024/7/25</a:t>
+              <a:t>2024/8/8</a:t>
             </a:fld>
             <a:endParaRPr kumimoji="1" lang="zh-TW" altLang="en-US"/>
           </a:p>
@@ -6259,7 +6259,7 @@
           <a:p>
             <a:fld id="{53C3077C-043C-9F49-8A6E-C63D04CEC3EE}" type="datetime1">
               <a:rPr kumimoji="1" lang="zh-TW" altLang="en-US" smtClean="0"/>
-              <a:t>2024/7/25</a:t>
+              <a:t>2024/8/8</a:t>
             </a:fld>
             <a:endParaRPr kumimoji="1" lang="zh-TW" altLang="en-US"/>
           </a:p>
@@ -6457,7 +6457,7 @@
           <a:p>
             <a:fld id="{57259107-6A1F-0845-9237-62D7A3F9F42D}" type="datetime1">
               <a:rPr kumimoji="1" lang="zh-TW" altLang="en-US" smtClean="0"/>
-              <a:t>2024/7/25</a:t>
+              <a:t>2024/8/8</a:t>
             </a:fld>
             <a:endParaRPr kumimoji="1" lang="zh-TW" altLang="en-US"/>
           </a:p>
@@ -6665,7 +6665,7 @@
           <a:p>
             <a:fld id="{324D143E-C82F-684D-B37C-E3DDFF157536}" type="datetime1">
               <a:rPr kumimoji="1" lang="zh-TW" altLang="en-US" smtClean="0"/>
-              <a:t>2024/7/25</a:t>
+              <a:t>2024/8/8</a:t>
             </a:fld>
             <a:endParaRPr kumimoji="1" lang="zh-TW" altLang="en-US"/>
           </a:p>
@@ -6863,7 +6863,7 @@
           <a:p>
             <a:fld id="{C8A79055-53EF-3E41-B7A7-AA3D7ADA2840}" type="datetime1">
               <a:rPr kumimoji="1" lang="zh-TW" altLang="en-US" smtClean="0"/>
-              <a:t>2024/7/25</a:t>
+              <a:t>2024/8/8</a:t>
             </a:fld>
             <a:endParaRPr kumimoji="1" lang="zh-TW" altLang="en-US"/>
           </a:p>
@@ -7138,7 +7138,7 @@
           <a:p>
             <a:fld id="{AB10E908-819D-3F4B-B625-76DC342F2009}" type="datetime1">
               <a:rPr kumimoji="1" lang="zh-TW" altLang="en-US" smtClean="0"/>
-              <a:t>2024/7/25</a:t>
+              <a:t>2024/8/8</a:t>
             </a:fld>
             <a:endParaRPr kumimoji="1" lang="zh-TW" altLang="en-US"/>
           </a:p>
@@ -7403,7 +7403,7 @@
           <a:p>
             <a:fld id="{D73623CE-6D1E-9849-9172-8FC4F9C5B5B0}" type="datetime1">
               <a:rPr kumimoji="1" lang="zh-TW" altLang="en-US" smtClean="0"/>
-              <a:t>2024/7/25</a:t>
+              <a:t>2024/8/8</a:t>
             </a:fld>
             <a:endParaRPr kumimoji="1" lang="zh-TW" altLang="en-US"/>
           </a:p>
@@ -7815,7 +7815,7 @@
           <a:p>
             <a:fld id="{38BC9FFD-2DC6-A04B-A148-581A5CB69B56}" type="datetime1">
               <a:rPr kumimoji="1" lang="zh-TW" altLang="en-US" smtClean="0"/>
-              <a:t>2024/7/25</a:t>
+              <a:t>2024/8/8</a:t>
             </a:fld>
             <a:endParaRPr kumimoji="1" lang="zh-TW" altLang="en-US"/>
           </a:p>
@@ -7956,7 +7956,7 @@
           <a:p>
             <a:fld id="{27252B97-C411-F841-B603-F90F96146218}" type="datetime1">
               <a:rPr kumimoji="1" lang="zh-TW" altLang="en-US" smtClean="0"/>
-              <a:t>2024/7/25</a:t>
+              <a:t>2024/8/8</a:t>
             </a:fld>
             <a:endParaRPr kumimoji="1" lang="zh-TW" altLang="en-US"/>
           </a:p>
@@ -8069,7 +8069,7 @@
           <a:p>
             <a:fld id="{8314F913-57FE-6342-B36E-A3887552E8BB}" type="datetime1">
               <a:rPr kumimoji="1" lang="zh-TW" altLang="en-US" smtClean="0"/>
-              <a:t>2024/7/25</a:t>
+              <a:t>2024/8/8</a:t>
             </a:fld>
             <a:endParaRPr kumimoji="1" lang="zh-TW" altLang="en-US"/>
           </a:p>
@@ -8380,7 +8380,7 @@
           <a:p>
             <a:fld id="{5677FFC7-54E9-634A-ADE5-028B0431F4EC}" type="datetime1">
               <a:rPr kumimoji="1" lang="zh-TW" altLang="en-US" smtClean="0"/>
-              <a:t>2024/7/25</a:t>
+              <a:t>2024/8/8</a:t>
             </a:fld>
             <a:endParaRPr kumimoji="1" lang="zh-TW" altLang="en-US"/>
           </a:p>
@@ -8668,7 +8668,7 @@
           <a:p>
             <a:fld id="{46A33351-E529-ED43-BC6E-78A8DA9C590F}" type="datetime1">
               <a:rPr kumimoji="1" lang="zh-TW" altLang="en-US" smtClean="0"/>
-              <a:t>2024/7/25</a:t>
+              <a:t>2024/8/8</a:t>
             </a:fld>
             <a:endParaRPr kumimoji="1" lang="zh-TW" altLang="en-US"/>
           </a:p>
@@ -8909,7 +8909,7 @@
           <a:p>
             <a:fld id="{5CE6564F-FB9A-7D4E-9821-DD707CE2AEC8}" type="datetime1">
               <a:rPr kumimoji="1" lang="zh-TW" altLang="en-US" smtClean="0"/>
-              <a:t>2024/7/25</a:t>
+              <a:t>2024/8/8</a:t>
             </a:fld>
             <a:endParaRPr kumimoji="1" lang="zh-TW" altLang="en-US"/>
           </a:p>
@@ -9820,7 +9820,7 @@
           <a:p>
             <a:fld id="{C8A79055-53EF-3E41-B7A7-AA3D7ADA2840}" type="datetime1">
               <a:rPr kumimoji="1" lang="zh-TW" altLang="en-US" smtClean="0"/>
-              <a:t>2024/7/25</a:t>
+              <a:t>2024/8/8</a:t>
             </a:fld>
             <a:endParaRPr kumimoji="1" lang="zh-TW" altLang="en-US" dirty="0"/>
           </a:p>
@@ -10624,7 +10624,7 @@
           <a:p>
             <a:fld id="{C8A79055-53EF-3E41-B7A7-AA3D7ADA2840}" type="datetime1">
               <a:rPr kumimoji="1" lang="zh-TW" altLang="en-US" smtClean="0"/>
-              <a:t>2024/7/25</a:t>
+              <a:t>2024/8/8</a:t>
             </a:fld>
             <a:endParaRPr kumimoji="1" lang="zh-TW" altLang="en-US"/>
           </a:p>
@@ -11635,7 +11635,7 @@
           <a:p>
             <a:fld id="{C8A79055-53EF-3E41-B7A7-AA3D7ADA2840}" type="datetime1">
               <a:rPr kumimoji="1" lang="zh-TW" altLang="en-US" smtClean="0"/>
-              <a:t>2024/7/25</a:t>
+              <a:t>2024/8/8</a:t>
             </a:fld>
             <a:endParaRPr kumimoji="1" lang="zh-TW" altLang="en-US"/>
           </a:p>
@@ -11813,7 +11813,7 @@
           <a:p>
             <a:fld id="{AB10E908-819D-3F4B-B625-76DC342F2009}" type="datetime1">
               <a:rPr kumimoji="1" lang="zh-TW" altLang="en-US" smtClean="0"/>
-              <a:t>2024/7/25</a:t>
+              <a:t>2024/8/8</a:t>
             </a:fld>
             <a:endParaRPr kumimoji="1" lang="zh-TW" altLang="en-US"/>
           </a:p>
@@ -12065,7 +12065,7 @@
           <a:p>
             <a:fld id="{C8A79055-53EF-3E41-B7A7-AA3D7ADA2840}" type="datetime1">
               <a:rPr kumimoji="1" lang="zh-TW" altLang="en-US" smtClean="0"/>
-              <a:t>2024/7/25</a:t>
+              <a:t>2024/8/8</a:t>
             </a:fld>
             <a:endParaRPr kumimoji="1" lang="zh-TW" altLang="en-US"/>
           </a:p>
@@ -12648,7 +12648,7 @@
           <a:p>
             <a:fld id="{C8A79055-53EF-3E41-B7A7-AA3D7ADA2840}" type="datetime1">
               <a:rPr kumimoji="1" lang="zh-TW" altLang="en-US" smtClean="0"/>
-              <a:t>2024/7/25</a:t>
+              <a:t>2024/8/8</a:t>
             </a:fld>
             <a:endParaRPr kumimoji="1" lang="zh-TW" altLang="en-US"/>
           </a:p>
@@ -12796,7 +12796,7 @@
           <a:p>
             <a:fld id="{AB10E908-819D-3F4B-B625-76DC342F2009}" type="datetime1">
               <a:rPr kumimoji="1" lang="zh-TW" altLang="en-US" smtClean="0"/>
-              <a:t>2024/7/25</a:t>
+              <a:t>2024/8/8</a:t>
             </a:fld>
             <a:endParaRPr kumimoji="1" lang="zh-TW" altLang="en-US" dirty="0"/>
           </a:p>
@@ -12913,7 +12913,7 @@
           <a:p>
             <a:fld id="{C8A79055-53EF-3E41-B7A7-AA3D7ADA2840}" type="datetime1">
               <a:rPr kumimoji="1" lang="zh-TW" altLang="en-US" smtClean="0"/>
-              <a:t>2024/7/25</a:t>
+              <a:t>2024/8/8</a:t>
             </a:fld>
             <a:endParaRPr kumimoji="1" lang="zh-TW" altLang="en-US"/>
           </a:p>
@@ -13145,7 +13145,7 @@
           <a:p>
             <a:fld id="{C8A79055-53EF-3E41-B7A7-AA3D7ADA2840}" type="datetime1">
               <a:rPr kumimoji="1" lang="zh-TW" altLang="en-US" smtClean="0"/>
-              <a:t>2024/7/25</a:t>
+              <a:t>2024/8/8</a:t>
             </a:fld>
             <a:endParaRPr kumimoji="1" lang="zh-TW" altLang="en-US"/>
           </a:p>
@@ -13409,7 +13409,7 @@
           <a:p>
             <a:fld id="{C8A79055-53EF-3E41-B7A7-AA3D7ADA2840}" type="datetime1">
               <a:rPr kumimoji="1" lang="zh-TW" altLang="en-US" smtClean="0"/>
-              <a:t>2024/7/25</a:t>
+              <a:t>2024/8/8</a:t>
             </a:fld>
             <a:endParaRPr kumimoji="1" lang="zh-TW" altLang="en-US"/>
           </a:p>
@@ -14033,7 +14033,7 @@
           <a:p>
             <a:fld id="{AB10E908-819D-3F4B-B625-76DC342F2009}" type="datetime1">
               <a:rPr kumimoji="1" lang="zh-TW" altLang="en-US" smtClean="0"/>
-              <a:t>2024/7/25</a:t>
+              <a:t>2024/8/8</a:t>
             </a:fld>
             <a:endParaRPr kumimoji="1" lang="zh-TW" altLang="en-US"/>
           </a:p>
@@ -14234,7 +14234,7 @@
           <a:p>
             <a:fld id="{C8A79055-53EF-3E41-B7A7-AA3D7ADA2840}" type="datetime1">
               <a:rPr kumimoji="1" lang="zh-TW" altLang="en-US" smtClean="0"/>
-              <a:t>2024/7/25</a:t>
+              <a:t>2024/8/8</a:t>
             </a:fld>
             <a:endParaRPr kumimoji="1" lang="zh-TW" altLang="en-US" dirty="0"/>
           </a:p>
@@ -15845,7 +15845,7 @@
           <a:p>
             <a:fld id="{C8A79055-53EF-3E41-B7A7-AA3D7ADA2840}" type="datetime1">
               <a:rPr kumimoji="1" lang="zh-TW" altLang="en-US" smtClean="0"/>
-              <a:t>2024/7/25</a:t>
+              <a:t>2024/8/8</a:t>
             </a:fld>
             <a:endParaRPr kumimoji="1" lang="zh-TW" altLang="en-US" dirty="0"/>
           </a:p>
@@ -17158,7 +17158,7 @@
           <a:p>
             <a:fld id="{C8A79055-53EF-3E41-B7A7-AA3D7ADA2840}" type="datetime1">
               <a:rPr kumimoji="1" lang="zh-TW" altLang="en-US" smtClean="0"/>
-              <a:t>2024/7/25</a:t>
+              <a:t>2024/8/8</a:t>
             </a:fld>
             <a:endParaRPr kumimoji="1" lang="zh-TW" altLang="en-US" dirty="0"/>
           </a:p>
@@ -18810,7 +18810,7 @@
           <a:p>
             <a:fld id="{C8A79055-53EF-3E41-B7A7-AA3D7ADA2840}" type="datetime1">
               <a:rPr kumimoji="1" lang="zh-TW" altLang="en-US" smtClean="0"/>
-              <a:t>2024/7/25</a:t>
+              <a:t>2024/8/8</a:t>
             </a:fld>
             <a:endParaRPr kumimoji="1" lang="zh-TW" altLang="en-US"/>
           </a:p>
@@ -18958,7 +18958,7 @@
           <a:p>
             <a:fld id="{AB10E908-819D-3F4B-B625-76DC342F2009}" type="datetime1">
               <a:rPr kumimoji="1" lang="zh-TW" altLang="en-US" smtClean="0"/>
-              <a:t>2024/7/25</a:t>
+              <a:t>2024/8/8</a:t>
             </a:fld>
             <a:endParaRPr kumimoji="1" lang="zh-TW" altLang="en-US"/>
           </a:p>
@@ -19166,7 +19166,7 @@
           <a:p>
             <a:fld id="{C8A79055-53EF-3E41-B7A7-AA3D7ADA2840}" type="datetime1">
               <a:rPr kumimoji="1" lang="zh-TW" altLang="en-US" smtClean="0"/>
-              <a:t>2024/7/25</a:t>
+              <a:t>2024/8/8</a:t>
             </a:fld>
             <a:endParaRPr kumimoji="1" lang="zh-TW" altLang="en-US"/>
           </a:p>
@@ -20367,7 +20367,7 @@
           <a:p>
             <a:fld id="{C8A79055-53EF-3E41-B7A7-AA3D7ADA2840}" type="datetime1">
               <a:rPr kumimoji="1" lang="zh-TW" altLang="en-US" smtClean="0"/>
-              <a:t>2024/7/25</a:t>
+              <a:t>2024/8/8</a:t>
             </a:fld>
             <a:endParaRPr kumimoji="1" lang="zh-TW" altLang="en-US"/>
           </a:p>
@@ -20514,7 +20514,7 @@
           <a:p>
             <a:fld id="{C8A79055-53EF-3E41-B7A7-AA3D7ADA2840}" type="datetime1">
               <a:rPr kumimoji="1" lang="zh-TW" altLang="en-US" smtClean="0"/>
-              <a:t>2024/7/25</a:t>
+              <a:t>2024/8/8</a:t>
             </a:fld>
             <a:endParaRPr kumimoji="1" lang="zh-TW" altLang="en-US"/>
           </a:p>
@@ -20691,7 +20691,7 @@
           <a:p>
             <a:fld id="{C8A79055-53EF-3E41-B7A7-AA3D7ADA2840}" type="datetime1">
               <a:rPr kumimoji="1" lang="zh-TW" altLang="en-US" smtClean="0"/>
-              <a:t>2024/7/25</a:t>
+              <a:t>2024/8/8</a:t>
             </a:fld>
             <a:endParaRPr kumimoji="1" lang="zh-TW" altLang="en-US"/>
           </a:p>
@@ -20838,7 +20838,7 @@
           <a:p>
             <a:fld id="{C8A79055-53EF-3E41-B7A7-AA3D7ADA2840}" type="datetime1">
               <a:rPr kumimoji="1" lang="zh-TW" altLang="en-US" smtClean="0"/>
-              <a:t>2024/7/25</a:t>
+              <a:t>2024/8/8</a:t>
             </a:fld>
             <a:endParaRPr kumimoji="1" lang="zh-TW" altLang="en-US"/>
           </a:p>
@@ -20897,6 +20897,35 @@
           <a:xfrm>
             <a:off x="2049545" y="1414728"/>
             <a:ext cx="8811642" cy="4941622"/>
+          </a:xfrm>
+          <a:prstGeom prst="rect">
+            <a:avLst/>
+          </a:prstGeom>
+        </p:spPr>
+      </p:pic>
+      <p:pic>
+        <p:nvPicPr>
+          <p:cNvPr id="3" name="圖片 2">
+            <a:extLst>
+              <a:ext uri="{FF2B5EF4-FFF2-40B4-BE49-F238E27FC236}">
+                <a16:creationId xmlns:a16="http://schemas.microsoft.com/office/drawing/2014/main" id="{D1F13E1A-289F-C371-CF56-A1DD5225A6CB}"/>
+              </a:ext>
+            </a:extLst>
+          </p:cNvPr>
+          <p:cNvPicPr>
+            <a:picLocks noChangeAspect="1"/>
+          </p:cNvPicPr>
+          <p:nvPr/>
+        </p:nvPicPr>
+        <p:blipFill rotWithShape="1">
+          <a:blip r:embed="rId3"/>
+          <a:srcRect b="21561"/>
+          <a:stretch/>
+        </p:blipFill>
+        <p:spPr>
+          <a:xfrm>
+            <a:off x="2201945" y="1567128"/>
+            <a:ext cx="8811642" cy="3876144"/>
           </a:xfrm>
           <a:prstGeom prst="rect">
             <a:avLst/>
@@ -21041,7 +21070,7 @@
           <a:p>
             <a:fld id="{C8A79055-53EF-3E41-B7A7-AA3D7ADA2840}" type="datetime1">
               <a:rPr kumimoji="1" lang="zh-TW" altLang="en-US" smtClean="0"/>
-              <a:t>2024/7/25</a:t>
+              <a:t>2024/8/8</a:t>
             </a:fld>
             <a:endParaRPr kumimoji="1" lang="zh-TW" altLang="en-US"/>
           </a:p>
@@ -21274,7 +21303,7 @@
           <a:p>
             <a:fld id="{AB10E908-819D-3F4B-B625-76DC342F2009}" type="datetime1">
               <a:rPr kumimoji="1" lang="zh-TW" altLang="en-US" smtClean="0"/>
-              <a:t>2024/7/25</a:t>
+              <a:t>2024/8/8</a:t>
             </a:fld>
             <a:endParaRPr kumimoji="1" lang="zh-TW" altLang="en-US"/>
           </a:p>
@@ -21448,7 +21477,7 @@
           <a:p>
             <a:fld id="{C8A79055-53EF-3E41-B7A7-AA3D7ADA2840}" type="datetime1">
               <a:rPr kumimoji="1" lang="zh-TW" altLang="en-US" smtClean="0"/>
-              <a:t>2024/7/25</a:t>
+              <a:t>2024/8/8</a:t>
             </a:fld>
             <a:endParaRPr kumimoji="1" lang="zh-TW" altLang="en-US"/>
           </a:p>
@@ -21594,7 +21623,7 @@
           <a:p>
             <a:fld id="{AB10E908-819D-3F4B-B625-76DC342F2009}" type="datetime1">
               <a:rPr kumimoji="1" lang="zh-TW" altLang="en-US" smtClean="0"/>
-              <a:t>2024/7/25</a:t>
+              <a:t>2024/8/8</a:t>
             </a:fld>
             <a:endParaRPr kumimoji="1" lang="zh-TW" altLang="en-US"/>
           </a:p>
@@ -21711,7 +21740,7 @@
           <a:p>
             <a:fld id="{C8A79055-53EF-3E41-B7A7-AA3D7ADA2840}" type="datetime1">
               <a:rPr kumimoji="1" lang="zh-TW" altLang="en-US" smtClean="0"/>
-              <a:t>2024/7/25</a:t>
+              <a:t>2024/8/8</a:t>
             </a:fld>
             <a:endParaRPr kumimoji="1" lang="zh-TW" altLang="en-US"/>
           </a:p>
@@ -22004,7 +22033,7 @@
           <a:p>
             <a:fld id="{C8A79055-53EF-3E41-B7A7-AA3D7ADA2840}" type="datetime1">
               <a:rPr kumimoji="1" lang="zh-TW" altLang="en-US" smtClean="0"/>
-              <a:t>2024/7/25</a:t>
+              <a:t>2024/8/8</a:t>
             </a:fld>
             <a:endParaRPr kumimoji="1" lang="zh-TW" altLang="en-US"/>
           </a:p>
@@ -23777,7 +23806,7 @@
           <a:p>
             <a:fld id="{C8A79055-53EF-3E41-B7A7-AA3D7ADA2840}" type="datetime1">
               <a:rPr kumimoji="1" lang="zh-TW" altLang="en-US" smtClean="0"/>
-              <a:t>2024/7/25</a:t>
+              <a:t>2024/8/8</a:t>
             </a:fld>
             <a:endParaRPr kumimoji="1" lang="zh-TW" altLang="en-US"/>
           </a:p>
@@ -24050,7 +24079,7 @@
           <a:p>
             <a:fld id="{AB10E908-819D-3F4B-B625-76DC342F2009}" type="datetime1">
               <a:rPr kumimoji="1" lang="zh-TW" altLang="en-US" smtClean="0"/>
-              <a:t>2024/7/25</a:t>
+              <a:t>2024/8/8</a:t>
             </a:fld>
             <a:endParaRPr kumimoji="1" lang="zh-TW" altLang="en-US"/>
           </a:p>
@@ -24169,7 +24198,7 @@
           <a:p>
             <a:fld id="{C8A79055-53EF-3E41-B7A7-AA3D7ADA2840}" type="datetime1">
               <a:rPr kumimoji="1" lang="zh-TW" altLang="en-US" smtClean="0"/>
-              <a:t>2024/7/25</a:t>
+              <a:t>2024/8/8</a:t>
             </a:fld>
             <a:endParaRPr kumimoji="1" lang="zh-TW" altLang="en-US"/>
           </a:p>
@@ -24918,7 +24947,7 @@
           <a:p>
             <a:fld id="{C8A79055-53EF-3E41-B7A7-AA3D7ADA2840}" type="datetime1">
               <a:rPr kumimoji="1" lang="zh-TW" altLang="en-US" smtClean="0"/>
-              <a:t>2024/7/25</a:t>
+              <a:t>2024/8/8</a:t>
             </a:fld>
             <a:endParaRPr kumimoji="1" lang="zh-TW" altLang="en-US" dirty="0"/>
           </a:p>
